--- a/Projektmunka.pptx
+++ b/Projektmunka.pptx
@@ -8,6 +8,10 @@
     <p:sldId id="256" r:id="rId2"/>
     <p:sldId id="257" r:id="rId3"/>
     <p:sldId id="258" r:id="rId4"/>
+    <p:sldId id="259" r:id="rId5"/>
+    <p:sldId id="260" r:id="rId6"/>
+    <p:sldId id="261" r:id="rId7"/>
+    <p:sldId id="262" r:id="rId8"/>
   </p:sldIdLst>
   <p:sldSz cx="12192000" cy="6858000"/>
   <p:notesSz cx="6858000" cy="9144000"/>
@@ -106,7 +110,20 @@
       </a:defRPr>
     </a:lvl9pPr>
   </p:defaultTextStyle>
+  <p:extLst>
+    <p:ext uri="{EFAFB233-063F-42B5-8137-9DF3F51BA10A}">
+      <p15:sldGuideLst xmlns:p15="http://schemas.microsoft.com/office/powerpoint/2012/main"/>
+    </p:ext>
+  </p:extLst>
 </p:presentation>
+</file>
+
+<file path=ppt/revisionInfo.xml><?xml version="1.0" encoding="utf-8"?>
+<p1510:revInfo xmlns:a="http://schemas.openxmlformats.org/drawingml/2006/main" xmlns:r="http://schemas.openxmlformats.org/officeDocument/2006/relationships" xmlns:p1510="http://schemas.microsoft.com/office/powerpoint/2015/10/main">
+  <p1510:revLst>
+    <p1510:client id="{7D5EDE20-9FB5-0E8B-1C46-9B8C6782E3F8}" v="894" dt="2025-10-06T15:30:15.479"/>
+  </p1510:revLst>
+</p1510:revInfo>
 </file>
 
 <file path=ppt/slideLayouts/slideLayout1.xml><?xml version="1.0" encoding="utf-8"?>
@@ -262,7 +279,7 @@
           <a:p>
             <a:fld id="{D1D1EADE-8E88-4C7C-8AC5-FB148DE4940E}" type="datetime1">
               <a:rPr lang="en-US" smtClean="0"/>
-              <a:t>9/30/2025</a:t>
+              <a:t>10/6/2025</a:t>
             </a:fld>
             <a:endParaRPr lang="en-US"/>
           </a:p>
@@ -462,7 +479,7 @@
           <a:p>
             <a:fld id="{EC3C8B9C-477D-492A-96AD-1FC2CC997A73}" type="datetime1">
               <a:rPr lang="en-US" smtClean="0"/>
-              <a:t>9/30/2025</a:t>
+              <a:t>10/6/2025</a:t>
             </a:fld>
             <a:endParaRPr lang="en-US"/>
           </a:p>
@@ -672,7 +689,7 @@
           <a:p>
             <a:fld id="{42D3AED5-E26D-4E29-B1B3-7847B6779594}" type="datetime1">
               <a:rPr lang="en-US" smtClean="0"/>
-              <a:t>9/30/2025</a:t>
+              <a:t>10/6/2025</a:t>
             </a:fld>
             <a:endParaRPr lang="en-US"/>
           </a:p>
@@ -872,7 +889,7 @@
           <a:p>
             <a:fld id="{157B6794-849E-4626-908B-D15793550EFB}" type="datetime1">
               <a:rPr lang="en-US" smtClean="0"/>
-              <a:t>9/30/2025</a:t>
+              <a:t>10/6/2025</a:t>
             </a:fld>
             <a:endParaRPr lang="en-US"/>
           </a:p>
@@ -1148,7 +1165,7 @@
           <a:p>
             <a:fld id="{63DB64E7-5594-42A3-ADBF-E95A7ACEAD64}" type="datetime1">
               <a:rPr lang="en-US" smtClean="0"/>
-              <a:t>9/30/2025</a:t>
+              <a:t>10/6/2025</a:t>
             </a:fld>
             <a:endParaRPr lang="en-US"/>
           </a:p>
@@ -1421,7 +1438,7 @@
           <a:p>
             <a:fld id="{18462B0B-D248-4FFB-8695-AD7FA4B1284A}" type="datetime1">
               <a:rPr lang="en-US" smtClean="0"/>
-              <a:t>9/30/2025</a:t>
+              <a:t>10/6/2025</a:t>
             </a:fld>
             <a:endParaRPr lang="en-US"/>
           </a:p>
@@ -1844,7 +1861,7 @@
           <a:p>
             <a:fld id="{D0378EFB-9159-4510-B73F-4F0409ADE937}" type="datetime1">
               <a:rPr lang="en-US" smtClean="0"/>
-              <a:t>9/30/2025</a:t>
+              <a:t>10/6/2025</a:t>
             </a:fld>
             <a:endParaRPr lang="en-US"/>
           </a:p>
@@ -1986,7 +2003,7 @@
           <a:p>
             <a:fld id="{89BC9412-2452-4BED-A324-9D8C115361AD}" type="datetime1">
               <a:rPr lang="en-US" smtClean="0"/>
-              <a:t>9/30/2025</a:t>
+              <a:t>10/6/2025</a:t>
             </a:fld>
             <a:endParaRPr lang="en-US"/>
           </a:p>
@@ -2099,7 +2116,7 @@
           <a:p>
             <a:fld id="{F5318F62-D251-40E8-A23C-F4CFE9FEAB41}" type="datetime1">
               <a:rPr lang="en-US" smtClean="0"/>
-              <a:t>9/30/2025</a:t>
+              <a:t>10/6/2025</a:t>
             </a:fld>
             <a:endParaRPr lang="en-US"/>
           </a:p>
@@ -2412,7 +2429,7 @@
           <a:p>
             <a:fld id="{44F76144-149E-4874-93A5-554A0357CF82}" type="datetime1">
               <a:rPr lang="en-US" smtClean="0"/>
-              <a:t>9/30/2025</a:t>
+              <a:t>10/6/2025</a:t>
             </a:fld>
             <a:endParaRPr lang="en-US"/>
           </a:p>
@@ -2705,7 +2722,7 @@
           <a:p>
             <a:fld id="{50BA65D8-0540-4835-AE5C-25D29DBA01BE}" type="datetime1">
               <a:rPr lang="en-US" smtClean="0"/>
-              <a:t>9/30/2025</a:t>
+              <a:t>10/6/2025</a:t>
             </a:fld>
             <a:endParaRPr lang="en-US"/>
           </a:p>
@@ -2956,7 +2973,7 @@
           <a:p>
             <a:fld id="{E31BA835-12AC-4E8F-955A-EA3F4DE2791F}" type="datetime1">
               <a:rPr lang="en-US" smtClean="0"/>
-              <a:t>9/30/2025</a:t>
+              <a:t>10/6/2025</a:t>
             </a:fld>
             <a:endParaRPr lang="en-US"/>
           </a:p>
@@ -4449,61 +4466,183 @@
           <a:chExt cx="0" cy="0"/>
         </a:xfrm>
       </p:grpSpPr>
-      <p:sp>
-        <p:nvSpPr>
-          <p:cNvPr id="2" name="Cím 1">
-            <a:extLst>
-              <a:ext uri="{FF2B5EF4-FFF2-40B4-BE49-F238E27FC236}">
-                <a16:creationId xmlns:a16="http://schemas.microsoft.com/office/drawing/2014/main" id="{B3F830C5-CA50-0A09-A33E-FD1CD322AB1F}"/>
-              </a:ext>
-            </a:extLst>
-          </p:cNvPr>
-          <p:cNvSpPr>
-            <a:spLocks noGrp="1"/>
-          </p:cNvSpPr>
-          <p:nvPr>
-            <p:ph type="title"/>
-          </p:nvPr>
-        </p:nvSpPr>
-        <p:spPr/>
-        <p:txBody>
-          <a:bodyPr/>
-          <a:lstStyle/>
-          <a:p>
-            <a:pPr algn="ctr"/>
-            <a:r>
-              <a:rPr lang="hu-HU" sz="5400" dirty="0">
-                <a:solidFill>
-                  <a:schemeClr val="bg1"/>
-                </a:solidFill>
-              </a:rPr>
-              <a:t>Webshop projekt</a:t>
-            </a:r>
-          </a:p>
-        </p:txBody>
-      </p:sp>
-      <p:sp>
-        <p:nvSpPr>
-          <p:cNvPr id="3" name="Tartalom helye 2">
-            <a:extLst>
-              <a:ext uri="{FF2B5EF4-FFF2-40B4-BE49-F238E27FC236}">
-                <a16:creationId xmlns:a16="http://schemas.microsoft.com/office/drawing/2014/main" id="{5499F4E6-770B-8605-10E0-9D9F6B3B6FC1}"/>
-              </a:ext>
-            </a:extLst>
-          </p:cNvPr>
-          <p:cNvSpPr>
-            <a:spLocks noGrp="1"/>
-          </p:cNvSpPr>
-          <p:nvPr>
-            <p:ph idx="1"/>
-          </p:nvPr>
-        </p:nvSpPr>
-        <p:spPr/>
-        <p:txBody>
-          <a:bodyPr/>
-          <a:lstStyle/>
-          <a:p>
-            <a:endParaRPr lang="hu-HU" dirty="0"/>
+      <p:pic>
+        <p:nvPicPr>
+          <p:cNvPr id="4" name="Picture 3">
+            <a:extLst>
+              <a:ext uri="{FF2B5EF4-FFF2-40B4-BE49-F238E27FC236}">
+                <a16:creationId xmlns:a16="http://schemas.microsoft.com/office/drawing/2014/main" id="{9A988C6F-F9D8-3CF3-9F73-7BCFE969FB31}"/>
+              </a:ext>
+            </a:extLst>
+          </p:cNvPr>
+          <p:cNvPicPr>
+            <a:picLocks noChangeAspect="1"/>
+          </p:cNvPicPr>
+          <p:nvPr/>
+        </p:nvPicPr>
+        <p:blipFill>
+          <a:blip r:embed="rId2"/>
+          <a:stretch>
+            <a:fillRect/>
+          </a:stretch>
+        </p:blipFill>
+        <p:spPr>
+          <a:xfrm>
+            <a:off x="2304585" y="2223738"/>
+            <a:ext cx="7480610" cy="3683621"/>
+          </a:xfrm>
+          <a:prstGeom prst="rect">
+            <a:avLst/>
+          </a:prstGeom>
+        </p:spPr>
+      </p:pic>
+      <p:sp>
+        <p:nvSpPr>
+          <p:cNvPr id="5" name="TextBox 4">
+            <a:extLst>
+              <a:ext uri="{FF2B5EF4-FFF2-40B4-BE49-F238E27FC236}">
+                <a16:creationId xmlns:a16="http://schemas.microsoft.com/office/drawing/2014/main" id="{EBF14072-07F2-D78C-C384-4018615DBAE6}"/>
+              </a:ext>
+            </a:extLst>
+          </p:cNvPr>
+          <p:cNvSpPr txBox="1"/>
+          <p:nvPr/>
+        </p:nvSpPr>
+        <p:spPr>
+          <a:xfrm>
+            <a:off x="717643" y="1060729"/>
+            <a:ext cx="10932160" cy="646331"/>
+          </a:xfrm>
+          <a:prstGeom prst="rect">
+            <a:avLst/>
+          </a:prstGeom>
+          <a:noFill/>
+        </p:spPr>
+        <p:txBody>
+          <a:bodyPr rot="0" spcFirstLastPara="0" vertOverflow="overflow" horzOverflow="overflow" vert="horz" wrap="square" lIns="91440" tIns="45720" rIns="91440" bIns="45720" numCol="1" spcCol="0" rtlCol="0" fromWordArt="0" anchor="t" anchorCtr="0" forceAA="0" compatLnSpc="1">
+            <a:prstTxWarp prst="textNoShape">
+              <a:avLst/>
+            </a:prstTxWarp>
+            <a:spAutoFit/>
+          </a:bodyPr>
+          <a:lstStyle/>
+          <a:p>
+            <a:r>
+              <a:rPr lang="en-US" dirty="0"/>
+              <a:t>A </a:t>
+            </a:r>
+            <a:r>
+              <a:rPr lang="en-US" err="1"/>
+              <a:t>Főoldalon</a:t>
+            </a:r>
+            <a:r>
+              <a:rPr lang="en-US" dirty="0"/>
+              <a:t> </a:t>
+            </a:r>
+            <a:r>
+              <a:rPr lang="en-US" err="1"/>
+              <a:t>megtalálható</a:t>
+            </a:r>
+            <a:r>
+              <a:rPr lang="en-US" dirty="0"/>
+              <a:t>, </a:t>
+            </a:r>
+            <a:r>
+              <a:rPr lang="en-US" err="1"/>
+              <a:t>hogy</a:t>
+            </a:r>
+            <a:r>
+              <a:rPr lang="en-US" dirty="0"/>
+              <a:t> </a:t>
+            </a:r>
+            <a:r>
+              <a:rPr lang="en-US" err="1"/>
+              <a:t>milyen</a:t>
+            </a:r>
+            <a:r>
+              <a:rPr lang="en-US" dirty="0"/>
+              <a:t> </a:t>
+            </a:r>
+            <a:r>
+              <a:rPr lang="en-US" err="1"/>
+              <a:t>fajta</a:t>
+            </a:r>
+            <a:r>
+              <a:rPr lang="en-US" dirty="0"/>
+              <a:t> </a:t>
+            </a:r>
+            <a:r>
+              <a:rPr lang="en-US" err="1"/>
+              <a:t>állatokhoz</a:t>
+            </a:r>
+            <a:r>
+              <a:rPr lang="en-US" dirty="0"/>
+              <a:t> </a:t>
+            </a:r>
+            <a:r>
+              <a:rPr lang="en-US" err="1"/>
+              <a:t>lehet</a:t>
+            </a:r>
+            <a:r>
+              <a:rPr lang="en-US" dirty="0"/>
+              <a:t> </a:t>
+            </a:r>
+            <a:r>
+              <a:rPr lang="en-US" err="1"/>
+              <a:t>vásárolni</a:t>
+            </a:r>
+            <a:r>
+              <a:rPr lang="en-US" dirty="0"/>
+              <a:t>. Pl:_</a:t>
+            </a:r>
+            <a:r>
+              <a:rPr lang="en-US" err="1"/>
+              <a:t>játékok,eledelek,és</a:t>
+            </a:r>
+            <a:r>
+              <a:rPr lang="en-US" dirty="0"/>
+              <a:t> </a:t>
+            </a:r>
+            <a:r>
+              <a:rPr lang="en-US" err="1"/>
+              <a:t>többi</a:t>
+            </a:r>
+            <a:r>
+              <a:rPr lang="en-US" dirty="0"/>
+              <a:t> </a:t>
+            </a:r>
+            <a:r>
+              <a:rPr lang="en-US" err="1"/>
+              <a:t>szükséges</a:t>
+            </a:r>
+            <a:r>
+              <a:rPr lang="en-US" dirty="0"/>
+              <a:t> </a:t>
+            </a:r>
+            <a:r>
+              <a:rPr lang="en-US" err="1"/>
+              <a:t>tárgy</a:t>
+            </a:r>
+            <a:r>
+              <a:rPr lang="en-US" dirty="0"/>
+              <a:t> a </a:t>
+            </a:r>
+            <a:r>
+              <a:rPr lang="en-US" err="1"/>
+              <a:t>kedvencek</a:t>
+            </a:r>
+            <a:r>
+              <a:rPr lang="en-US" dirty="0"/>
+              <a:t> </a:t>
+            </a:r>
+            <a:r>
+              <a:rPr lang="en-US" err="1"/>
+              <a:t>tartásához</a:t>
+            </a:r>
+            <a:r>
+              <a:rPr lang="en-US" dirty="0"/>
+              <a:t>.</a:t>
+            </a:r>
           </a:p>
         </p:txBody>
       </p:sp>
@@ -4511,6 +4650,801 @@
     <p:extLst>
       <p:ext uri="{BB962C8B-B14F-4D97-AF65-F5344CB8AC3E}">
         <p14:creationId xmlns:p14="http://schemas.microsoft.com/office/powerpoint/2010/main" val="3556331997"/>
+      </p:ext>
+    </p:extLst>
+  </p:cSld>
+  <p:clrMapOvr>
+    <a:masterClrMapping/>
+  </p:clrMapOvr>
+</p:sld>
+</file>
+
+<file path=ppt/slides/slide4.xml><?xml version="1.0" encoding="utf-8"?>
+<p:sld xmlns:a="http://schemas.openxmlformats.org/drawingml/2006/main" xmlns:r="http://schemas.openxmlformats.org/officeDocument/2006/relationships" xmlns:p="http://schemas.openxmlformats.org/presentationml/2006/main">
+  <p:cSld>
+    <p:spTree>
+      <p:nvGrpSpPr>
+        <p:cNvPr id="1" name=""/>
+        <p:cNvGrpSpPr/>
+        <p:nvPr/>
+      </p:nvGrpSpPr>
+      <p:grpSpPr>
+        <a:xfrm>
+          <a:off x="0" y="0"/>
+          <a:ext cx="0" cy="0"/>
+          <a:chOff x="0" y="0"/>
+          <a:chExt cx="0" cy="0"/>
+        </a:xfrm>
+      </p:grpSpPr>
+      <p:pic>
+        <p:nvPicPr>
+          <p:cNvPr id="4" name="Picture 3">
+            <a:extLst>
+              <a:ext uri="{FF2B5EF4-FFF2-40B4-BE49-F238E27FC236}">
+                <a16:creationId xmlns:a16="http://schemas.microsoft.com/office/drawing/2014/main" id="{8386764C-C3BA-C574-8880-B8E5DEA99C1C}"/>
+              </a:ext>
+            </a:extLst>
+          </p:cNvPr>
+          <p:cNvPicPr>
+            <a:picLocks noChangeAspect="1"/>
+          </p:cNvPicPr>
+          <p:nvPr/>
+        </p:nvPicPr>
+        <p:blipFill>
+          <a:blip r:embed="rId2"/>
+          <a:stretch>
+            <a:fillRect/>
+          </a:stretch>
+        </p:blipFill>
+        <p:spPr>
+          <a:xfrm>
+            <a:off x="2118731" y="1864719"/>
+            <a:ext cx="7963831" cy="4020656"/>
+          </a:xfrm>
+          <a:prstGeom prst="rect">
+            <a:avLst/>
+          </a:prstGeom>
+        </p:spPr>
+      </p:pic>
+      <p:sp>
+        <p:nvSpPr>
+          <p:cNvPr id="6" name="TextBox 5">
+            <a:extLst>
+              <a:ext uri="{FF2B5EF4-FFF2-40B4-BE49-F238E27FC236}">
+                <a16:creationId xmlns:a16="http://schemas.microsoft.com/office/drawing/2014/main" id="{CD8CD4E0-403F-F3C4-577E-B59C1297D1B3}"/>
+              </a:ext>
+            </a:extLst>
+          </p:cNvPr>
+          <p:cNvSpPr txBox="1"/>
+          <p:nvPr/>
+        </p:nvSpPr>
+        <p:spPr>
+          <a:xfrm>
+            <a:off x="708598" y="1054038"/>
+            <a:ext cx="10779760" cy="646331"/>
+          </a:xfrm>
+          <a:prstGeom prst="rect">
+            <a:avLst/>
+          </a:prstGeom>
+          <a:noFill/>
+        </p:spPr>
+        <p:txBody>
+          <a:bodyPr rot="0" spcFirstLastPara="0" vertOverflow="overflow" horzOverflow="overflow" vert="horz" wrap="square" lIns="91440" tIns="45720" rIns="91440" bIns="45720" numCol="1" spcCol="0" rtlCol="0" fromWordArt="0" anchor="t" anchorCtr="0" forceAA="0" compatLnSpc="1">
+            <a:prstTxWarp prst="textNoShape">
+              <a:avLst/>
+            </a:prstTxWarp>
+            <a:spAutoFit/>
+          </a:bodyPr>
+          <a:lstStyle/>
+          <a:p>
+            <a:r>
+              <a:rPr lang="en-US" dirty="0"/>
+              <a:t>Pl:_ A </a:t>
+            </a:r>
+            <a:r>
+              <a:rPr lang="en-US" dirty="0" err="1"/>
+              <a:t>hüllők</a:t>
+            </a:r>
+            <a:r>
+              <a:rPr lang="en-US" dirty="0"/>
+              <a:t> </a:t>
+            </a:r>
+            <a:r>
+              <a:rPr lang="en-US" dirty="0" err="1"/>
+              <a:t>oldalon</a:t>
+            </a:r>
+            <a:r>
+              <a:rPr lang="en-US" dirty="0"/>
+              <a:t> </a:t>
+            </a:r>
+            <a:r>
+              <a:rPr lang="en-US" dirty="0" err="1"/>
+              <a:t>láthatunk</a:t>
+            </a:r>
+            <a:r>
+              <a:rPr lang="en-US" dirty="0"/>
+              <a:t> </a:t>
+            </a:r>
+            <a:r>
+              <a:rPr lang="en-US" dirty="0" err="1"/>
+              <a:t>többféle</a:t>
+            </a:r>
+            <a:r>
+              <a:rPr lang="en-US" dirty="0"/>
+              <a:t> </a:t>
+            </a:r>
+            <a:r>
+              <a:rPr lang="en-US" dirty="0" err="1"/>
+              <a:t>terráriumot</a:t>
+            </a:r>
+            <a:r>
+              <a:rPr lang="en-US" dirty="0"/>
+              <a:t> </a:t>
+            </a:r>
+            <a:r>
+              <a:rPr lang="en-US" dirty="0" err="1"/>
+              <a:t>és</a:t>
+            </a:r>
+            <a:r>
+              <a:rPr lang="en-US" dirty="0"/>
+              <a:t> </a:t>
+            </a:r>
+            <a:r>
+              <a:rPr lang="en-US" dirty="0" err="1"/>
+              <a:t>lámpákat</a:t>
+            </a:r>
+            <a:r>
+              <a:rPr lang="en-US" dirty="0"/>
+              <a:t> is. </a:t>
+            </a:r>
+            <a:r>
+              <a:rPr lang="en-US" dirty="0" err="1"/>
+              <a:t>Amiket</a:t>
+            </a:r>
+            <a:r>
+              <a:rPr lang="en-US" dirty="0"/>
+              <a:t> ha </a:t>
+            </a:r>
+            <a:r>
+              <a:rPr lang="en-US" dirty="0" err="1"/>
+              <a:t>szeretnénk</a:t>
+            </a:r>
+            <a:r>
+              <a:rPr lang="en-US" dirty="0"/>
+              <a:t> </a:t>
+            </a:r>
+            <a:r>
+              <a:rPr lang="en-US" dirty="0" err="1"/>
+              <a:t>akkor</a:t>
+            </a:r>
+            <a:r>
+              <a:rPr lang="en-US" dirty="0"/>
+              <a:t> </a:t>
+            </a:r>
+            <a:r>
+              <a:rPr lang="en-US" dirty="0" err="1"/>
+              <a:t>kosárba</a:t>
+            </a:r>
+            <a:r>
+              <a:rPr lang="en-US" dirty="0"/>
+              <a:t> is </a:t>
+            </a:r>
+            <a:r>
+              <a:rPr lang="en-US" dirty="0" err="1"/>
+              <a:t>tehetjük</a:t>
+            </a:r>
+            <a:r>
+              <a:rPr lang="en-US"/>
+              <a:t> őket.</a:t>
+            </a:r>
+            <a:endParaRPr lang="en-US" dirty="0"/>
+          </a:p>
+        </p:txBody>
+      </p:sp>
+    </p:spTree>
+    <p:extLst>
+      <p:ext uri="{BB962C8B-B14F-4D97-AF65-F5344CB8AC3E}">
+        <p14:creationId xmlns:p14="http://schemas.microsoft.com/office/powerpoint/2010/main" val="325705883"/>
+      </p:ext>
+    </p:extLst>
+  </p:cSld>
+  <p:clrMapOvr>
+    <a:masterClrMapping/>
+  </p:clrMapOvr>
+</p:sld>
+</file>
+
+<file path=ppt/slides/slide5.xml><?xml version="1.0" encoding="utf-8"?>
+<p:sld xmlns:a="http://schemas.openxmlformats.org/drawingml/2006/main" xmlns:r="http://schemas.openxmlformats.org/officeDocument/2006/relationships" xmlns:p="http://schemas.openxmlformats.org/presentationml/2006/main">
+  <p:cSld>
+    <p:spTree>
+      <p:nvGrpSpPr>
+        <p:cNvPr id="1" name=""/>
+        <p:cNvGrpSpPr/>
+        <p:nvPr/>
+      </p:nvGrpSpPr>
+      <p:grpSpPr>
+        <a:xfrm>
+          <a:off x="0" y="0"/>
+          <a:ext cx="0" cy="0"/>
+          <a:chOff x="0" y="0"/>
+          <a:chExt cx="0" cy="0"/>
+        </a:xfrm>
+      </p:grpSpPr>
+      <p:pic>
+        <p:nvPicPr>
+          <p:cNvPr id="4" name="Picture 3">
+            <a:extLst>
+              <a:ext uri="{FF2B5EF4-FFF2-40B4-BE49-F238E27FC236}">
+                <a16:creationId xmlns:a16="http://schemas.microsoft.com/office/drawing/2014/main" id="{D2D1C4FC-191E-32E6-0E92-2D81564664A2}"/>
+              </a:ext>
+            </a:extLst>
+          </p:cNvPr>
+          <p:cNvPicPr>
+            <a:picLocks noChangeAspect="1"/>
+          </p:cNvPicPr>
+          <p:nvPr/>
+        </p:nvPicPr>
+        <p:blipFill>
+          <a:blip r:embed="rId2"/>
+          <a:stretch>
+            <a:fillRect/>
+          </a:stretch>
+        </p:blipFill>
+        <p:spPr>
+          <a:xfrm>
+            <a:off x="213733" y="283761"/>
+            <a:ext cx="7118195" cy="3511962"/>
+          </a:xfrm>
+          <a:prstGeom prst="rect">
+            <a:avLst/>
+          </a:prstGeom>
+        </p:spPr>
+      </p:pic>
+      <p:pic>
+        <p:nvPicPr>
+          <p:cNvPr id="5" name="Picture 4">
+            <a:extLst>
+              <a:ext uri="{FF2B5EF4-FFF2-40B4-BE49-F238E27FC236}">
+                <a16:creationId xmlns:a16="http://schemas.microsoft.com/office/drawing/2014/main" id="{EF636891-D10A-A983-4E53-50989CAF34F4}"/>
+              </a:ext>
+            </a:extLst>
+          </p:cNvPr>
+          <p:cNvPicPr>
+            <a:picLocks noChangeAspect="1"/>
+          </p:cNvPicPr>
+          <p:nvPr/>
+        </p:nvPicPr>
+        <p:blipFill>
+          <a:blip r:embed="rId3"/>
+          <a:stretch>
+            <a:fillRect/>
+          </a:stretch>
+        </p:blipFill>
+        <p:spPr>
+          <a:xfrm>
+            <a:off x="2759927" y="4269255"/>
+            <a:ext cx="9144000" cy="2194538"/>
+          </a:xfrm>
+          <a:prstGeom prst="rect">
+            <a:avLst/>
+          </a:prstGeom>
+        </p:spPr>
+      </p:pic>
+      <p:sp>
+        <p:nvSpPr>
+          <p:cNvPr id="6" name="TextBox 5">
+            <a:extLst>
+              <a:ext uri="{FF2B5EF4-FFF2-40B4-BE49-F238E27FC236}">
+                <a16:creationId xmlns:a16="http://schemas.microsoft.com/office/drawing/2014/main" id="{CAA43305-6C1A-2761-1057-35FDE49E138F}"/>
+              </a:ext>
+            </a:extLst>
+          </p:cNvPr>
+          <p:cNvSpPr txBox="1"/>
+          <p:nvPr/>
+        </p:nvSpPr>
+        <p:spPr>
+          <a:xfrm>
+            <a:off x="7790985" y="2111669"/>
+            <a:ext cx="4114800" cy="1200329"/>
+          </a:xfrm>
+          <a:prstGeom prst="rect">
+            <a:avLst/>
+          </a:prstGeom>
+          <a:noFill/>
+        </p:spPr>
+        <p:txBody>
+          <a:bodyPr rot="0" spcFirstLastPara="0" vertOverflow="overflow" horzOverflow="overflow" vert="horz" wrap="square" lIns="91440" tIns="45720" rIns="91440" bIns="45720" numCol="1" spcCol="0" rtlCol="0" fromWordArt="0" anchor="t" anchorCtr="0" forceAA="0" compatLnSpc="1">
+            <a:prstTxWarp prst="textNoShape">
+              <a:avLst/>
+            </a:prstTxWarp>
+            <a:spAutoFit/>
+          </a:bodyPr>
+          <a:lstStyle/>
+          <a:p>
+            <a:r>
+              <a:rPr lang="en-US" dirty="0"/>
+              <a:t>A </a:t>
+            </a:r>
+            <a:r>
+              <a:rPr lang="en-US" dirty="0" err="1"/>
+              <a:t>kosárban</a:t>
+            </a:r>
+            <a:r>
+              <a:rPr lang="en-US" dirty="0"/>
+              <a:t> </a:t>
+            </a:r>
+            <a:r>
+              <a:rPr lang="en-US" dirty="0" err="1"/>
+              <a:t>az</a:t>
+            </a:r>
+            <a:r>
+              <a:rPr lang="en-US" dirty="0"/>
+              <a:t> </a:t>
+            </a:r>
+            <a:r>
+              <a:rPr lang="en-US" dirty="0" err="1"/>
+              <a:t>adatainkat</a:t>
+            </a:r>
+            <a:r>
+              <a:rPr lang="en-US" dirty="0"/>
+              <a:t> </a:t>
+            </a:r>
+            <a:r>
+              <a:rPr lang="en-US" dirty="0" err="1"/>
+              <a:t>láthatjuk</a:t>
+            </a:r>
+            <a:r>
+              <a:rPr lang="en-US" dirty="0"/>
+              <a:t> </a:t>
+            </a:r>
+            <a:r>
+              <a:rPr lang="en-US" dirty="0" err="1"/>
+              <a:t>és</a:t>
+            </a:r>
+            <a:r>
+              <a:rPr lang="en-US" dirty="0"/>
+              <a:t> a </a:t>
+            </a:r>
+            <a:r>
+              <a:rPr lang="en-US" dirty="0" err="1"/>
+              <a:t>kosarunk</a:t>
+            </a:r>
+            <a:r>
+              <a:rPr lang="en-US" dirty="0"/>
+              <a:t> </a:t>
+            </a:r>
+            <a:r>
+              <a:rPr lang="en-US" dirty="0" err="1"/>
+              <a:t>tartalma</a:t>
+            </a:r>
+            <a:r>
+              <a:rPr lang="en-US" dirty="0"/>
+              <a:t> is </a:t>
+            </a:r>
+            <a:r>
+              <a:rPr lang="en-US" dirty="0" err="1"/>
+              <a:t>látható</a:t>
+            </a:r>
+            <a:r>
+              <a:rPr lang="en-US" dirty="0"/>
+              <a:t>. A </a:t>
+            </a:r>
+            <a:r>
+              <a:rPr lang="en-US" dirty="0" err="1"/>
+              <a:t>kosarban</a:t>
+            </a:r>
+            <a:r>
+              <a:rPr lang="en-US" dirty="0"/>
+              <a:t>  a </a:t>
+            </a:r>
+            <a:r>
+              <a:rPr lang="en-US" dirty="0" err="1"/>
+              <a:t>kiválasztott</a:t>
+            </a:r>
+            <a:r>
+              <a:rPr lang="en-US" dirty="0"/>
+              <a:t> </a:t>
+            </a:r>
+            <a:r>
+              <a:rPr lang="en-US" dirty="0" err="1"/>
+              <a:t>termekek</a:t>
+            </a:r>
+            <a:r>
+              <a:rPr lang="en-US" dirty="0"/>
+              <a:t> </a:t>
+            </a:r>
+            <a:r>
+              <a:rPr lang="en-US" dirty="0" err="1"/>
+              <a:t>vegosszege</a:t>
+            </a:r>
+            <a:r>
+              <a:rPr lang="en-US" dirty="0"/>
+              <a:t> is ki van </a:t>
+            </a:r>
+            <a:r>
+              <a:rPr lang="en-US" dirty="0" err="1"/>
+              <a:t>írva</a:t>
+            </a:r>
+            <a:r>
+              <a:rPr lang="en-US" dirty="0"/>
+              <a:t>.</a:t>
+            </a:r>
+          </a:p>
+        </p:txBody>
+      </p:sp>
+    </p:spTree>
+    <p:extLst>
+      <p:ext uri="{BB962C8B-B14F-4D97-AF65-F5344CB8AC3E}">
+        <p14:creationId xmlns:p14="http://schemas.microsoft.com/office/powerpoint/2010/main" val="638317132"/>
+      </p:ext>
+    </p:extLst>
+  </p:cSld>
+  <p:clrMapOvr>
+    <a:masterClrMapping/>
+  </p:clrMapOvr>
+</p:sld>
+</file>
+
+<file path=ppt/slides/slide6.xml><?xml version="1.0" encoding="utf-8"?>
+<p:sld xmlns:a="http://schemas.openxmlformats.org/drawingml/2006/main" xmlns:r="http://schemas.openxmlformats.org/officeDocument/2006/relationships" xmlns:p="http://schemas.openxmlformats.org/presentationml/2006/main">
+  <p:cSld>
+    <p:spTree>
+      <p:nvGrpSpPr>
+        <p:cNvPr id="1" name=""/>
+        <p:cNvGrpSpPr/>
+        <p:nvPr/>
+      </p:nvGrpSpPr>
+      <p:grpSpPr>
+        <a:xfrm>
+          <a:off x="0" y="0"/>
+          <a:ext cx="0" cy="0"/>
+          <a:chOff x="0" y="0"/>
+          <a:chExt cx="0" cy="0"/>
+        </a:xfrm>
+      </p:grpSpPr>
+      <p:pic>
+        <p:nvPicPr>
+          <p:cNvPr id="4" name="Picture 3">
+            <a:extLst>
+              <a:ext uri="{FF2B5EF4-FFF2-40B4-BE49-F238E27FC236}">
+                <a16:creationId xmlns:a16="http://schemas.microsoft.com/office/drawing/2014/main" id="{D0327D77-9F08-A739-73BE-8FC4777A5F80}"/>
+              </a:ext>
+            </a:extLst>
+          </p:cNvPr>
+          <p:cNvPicPr>
+            <a:picLocks noChangeAspect="1"/>
+          </p:cNvPicPr>
+          <p:nvPr/>
+        </p:nvPicPr>
+        <p:blipFill>
+          <a:blip r:embed="rId2"/>
+          <a:stretch>
+            <a:fillRect/>
+          </a:stretch>
+        </p:blipFill>
+        <p:spPr>
+          <a:xfrm>
+            <a:off x="2286000" y="2226387"/>
+            <a:ext cx="7620001" cy="3734081"/>
+          </a:xfrm>
+          <a:prstGeom prst="rect">
+            <a:avLst/>
+          </a:prstGeom>
+        </p:spPr>
+      </p:pic>
+      <p:sp>
+        <p:nvSpPr>
+          <p:cNvPr id="6" name="TextBox 5">
+            <a:extLst>
+              <a:ext uri="{FF2B5EF4-FFF2-40B4-BE49-F238E27FC236}">
+                <a16:creationId xmlns:a16="http://schemas.microsoft.com/office/drawing/2014/main" id="{CD6681F5-F52E-8C0A-5201-3715DACCF71B}"/>
+              </a:ext>
+            </a:extLst>
+          </p:cNvPr>
+          <p:cNvSpPr txBox="1"/>
+          <p:nvPr/>
+        </p:nvSpPr>
+        <p:spPr>
+          <a:xfrm>
+            <a:off x="2214880" y="1066800"/>
+            <a:ext cx="7762240" cy="646331"/>
+          </a:xfrm>
+          <a:prstGeom prst="rect">
+            <a:avLst/>
+          </a:prstGeom>
+          <a:noFill/>
+        </p:spPr>
+        <p:txBody>
+          <a:bodyPr rot="0" spcFirstLastPara="0" vertOverflow="overflow" horzOverflow="overflow" vert="horz" wrap="square" lIns="91440" tIns="45720" rIns="91440" bIns="45720" numCol="1" spcCol="0" rtlCol="0" fromWordArt="0" anchor="t" anchorCtr="0" forceAA="0" compatLnSpc="1">
+            <a:prstTxWarp prst="textNoShape">
+              <a:avLst/>
+            </a:prstTxWarp>
+            <a:spAutoFit/>
+          </a:bodyPr>
+          <a:lstStyle/>
+          <a:p>
+            <a:r>
+              <a:rPr lang="en-US" dirty="0"/>
+              <a:t>Ez a </a:t>
+            </a:r>
+            <a:r>
+              <a:rPr lang="en-US" dirty="0" err="1"/>
+              <a:t>regisztraciós</a:t>
+            </a:r>
+            <a:r>
+              <a:rPr lang="en-US" dirty="0"/>
+              <a:t> </a:t>
+            </a:r>
+            <a:r>
+              <a:rPr lang="en-US" dirty="0" err="1"/>
+              <a:t>oldal</a:t>
+            </a:r>
+            <a:r>
+              <a:rPr lang="en-US" dirty="0"/>
+              <a:t> </a:t>
+            </a:r>
+            <a:r>
+              <a:rPr lang="en-US" dirty="0" err="1"/>
+              <a:t>ahol</a:t>
+            </a:r>
+            <a:r>
+              <a:rPr lang="en-US" dirty="0"/>
+              <a:t> ha mar van </a:t>
+            </a:r>
+            <a:r>
+              <a:rPr lang="en-US" dirty="0" err="1"/>
+              <a:t>fiokunk</a:t>
+            </a:r>
+            <a:r>
+              <a:rPr lang="en-US" dirty="0"/>
+              <a:t> </a:t>
+            </a:r>
+            <a:r>
+              <a:rPr lang="en-US" dirty="0" err="1"/>
+              <a:t>akkor</a:t>
+            </a:r>
+            <a:r>
+              <a:rPr lang="en-US" dirty="0"/>
+              <a:t> a </a:t>
+            </a:r>
+            <a:r>
+              <a:rPr lang="en-US" dirty="0" err="1"/>
+              <a:t>kek</a:t>
+            </a:r>
+            <a:r>
+              <a:rPr lang="en-US" dirty="0"/>
+              <a:t> </a:t>
+            </a:r>
+            <a:r>
+              <a:rPr lang="en-US" dirty="0" err="1"/>
+              <a:t>Szovegre</a:t>
+            </a:r>
+            <a:r>
+              <a:rPr lang="en-US" dirty="0"/>
+              <a:t> </a:t>
+            </a:r>
+            <a:r>
+              <a:rPr lang="en-US" dirty="0" err="1"/>
+              <a:t>kattintva</a:t>
+            </a:r>
+            <a:r>
+              <a:rPr lang="en-US" dirty="0"/>
+              <a:t> </a:t>
+            </a:r>
+            <a:r>
+              <a:rPr lang="en-US" dirty="0" err="1"/>
+              <a:t>átdob</a:t>
+            </a:r>
+            <a:r>
+              <a:rPr lang="en-US" dirty="0"/>
+              <a:t> a </a:t>
+            </a:r>
+            <a:r>
+              <a:rPr lang="en-US" dirty="0" err="1"/>
+              <a:t>bejelentkezésre</a:t>
+            </a:r>
+            <a:r>
+              <a:rPr lang="en-US" dirty="0"/>
+              <a:t>.</a:t>
+            </a:r>
+          </a:p>
+        </p:txBody>
+      </p:sp>
+    </p:spTree>
+    <p:extLst>
+      <p:ext uri="{BB962C8B-B14F-4D97-AF65-F5344CB8AC3E}">
+        <p14:creationId xmlns:p14="http://schemas.microsoft.com/office/powerpoint/2010/main" val="4167827646"/>
+      </p:ext>
+    </p:extLst>
+  </p:cSld>
+  <p:clrMapOvr>
+    <a:masterClrMapping/>
+  </p:clrMapOvr>
+</p:sld>
+</file>
+
+<file path=ppt/slides/slide7.xml><?xml version="1.0" encoding="utf-8"?>
+<p:sld xmlns:a="http://schemas.openxmlformats.org/drawingml/2006/main" xmlns:r="http://schemas.openxmlformats.org/officeDocument/2006/relationships" xmlns:p="http://schemas.openxmlformats.org/presentationml/2006/main">
+  <p:cSld>
+    <p:spTree>
+      <p:nvGrpSpPr>
+        <p:cNvPr id="1" name=""/>
+        <p:cNvGrpSpPr/>
+        <p:nvPr/>
+      </p:nvGrpSpPr>
+      <p:grpSpPr>
+        <a:xfrm>
+          <a:off x="0" y="0"/>
+          <a:ext cx="0" cy="0"/>
+          <a:chOff x="0" y="0"/>
+          <a:chExt cx="0" cy="0"/>
+        </a:xfrm>
+      </p:grpSpPr>
+      <p:sp>
+        <p:nvSpPr>
+          <p:cNvPr id="7" name="TextBox 6">
+            <a:extLst>
+              <a:ext uri="{FF2B5EF4-FFF2-40B4-BE49-F238E27FC236}">
+                <a16:creationId xmlns:a16="http://schemas.microsoft.com/office/drawing/2014/main" id="{4FEFCB37-0854-8850-6D45-6CE8B29204C7}"/>
+              </a:ext>
+            </a:extLst>
+          </p:cNvPr>
+          <p:cNvSpPr txBox="1"/>
+          <p:nvPr/>
+        </p:nvSpPr>
+        <p:spPr>
+          <a:xfrm>
+            <a:off x="2012547" y="1060357"/>
+            <a:ext cx="7741920" cy="646331"/>
+          </a:xfrm>
+          <a:prstGeom prst="rect">
+            <a:avLst/>
+          </a:prstGeom>
+          <a:noFill/>
+        </p:spPr>
+        <p:txBody>
+          <a:bodyPr rot="0" spcFirstLastPara="0" vertOverflow="overflow" horzOverflow="overflow" vert="horz" wrap="square" lIns="91440" tIns="45720" rIns="91440" bIns="45720" numCol="1" spcCol="0" rtlCol="0" fromWordArt="0" anchor="t" anchorCtr="0" forceAA="0" compatLnSpc="1">
+            <a:prstTxWarp prst="textNoShape">
+              <a:avLst/>
+            </a:prstTxWarp>
+            <a:spAutoFit/>
+          </a:bodyPr>
+          <a:lstStyle/>
+          <a:p>
+            <a:r>
+              <a:rPr lang="en-US" dirty="0" err="1"/>
+              <a:t>Ahol</a:t>
+            </a:r>
+            <a:r>
+              <a:rPr lang="en-US" dirty="0"/>
+              <a:t> ha </a:t>
+            </a:r>
+            <a:r>
+              <a:rPr lang="en-US" dirty="0" err="1"/>
+              <a:t>sikerult</a:t>
+            </a:r>
+            <a:r>
+              <a:rPr lang="en-US" dirty="0"/>
+              <a:t> </a:t>
+            </a:r>
+            <a:r>
+              <a:rPr lang="en-US" dirty="0" err="1"/>
+              <a:t>belépni</a:t>
+            </a:r>
+            <a:r>
+              <a:rPr lang="en-US" dirty="0"/>
+              <a:t> </a:t>
+            </a:r>
+            <a:r>
+              <a:rPr lang="en-US" dirty="0" err="1"/>
+              <a:t>akkor</a:t>
+            </a:r>
+            <a:r>
+              <a:rPr lang="en-US" dirty="0"/>
+              <a:t> </a:t>
+            </a:r>
+            <a:r>
+              <a:rPr lang="en-US" dirty="0" err="1"/>
+              <a:t>az</a:t>
+            </a:r>
+            <a:r>
+              <a:rPr lang="en-US" dirty="0"/>
+              <a:t> </a:t>
+            </a:r>
+            <a:r>
+              <a:rPr lang="en-US" dirty="0" err="1"/>
+              <a:t>oldal</a:t>
+            </a:r>
+            <a:r>
+              <a:rPr lang="en-US" dirty="0"/>
+              <a:t> </a:t>
+            </a:r>
+            <a:r>
+              <a:rPr lang="en-US" dirty="0" err="1"/>
+              <a:t>feldob</a:t>
+            </a:r>
+            <a:r>
+              <a:rPr lang="en-US" dirty="0"/>
+              <a:t> </a:t>
+            </a:r>
+            <a:r>
+              <a:rPr lang="en-US" dirty="0" err="1"/>
+              <a:t>egy</a:t>
+            </a:r>
+            <a:r>
+              <a:rPr lang="en-US" dirty="0"/>
+              <a:t> </a:t>
+            </a:r>
+            <a:r>
+              <a:rPr lang="en-US" dirty="0" err="1"/>
+              <a:t>uzenetet</a:t>
+            </a:r>
+            <a:r>
+              <a:rPr lang="en-US" dirty="0"/>
+              <a:t> </a:t>
+            </a:r>
+            <a:r>
+              <a:rPr lang="en-US" dirty="0" err="1"/>
+              <a:t>hogy</a:t>
+            </a:r>
+            <a:r>
+              <a:rPr lang="en-US" dirty="0"/>
+              <a:t> "</a:t>
+            </a:r>
+            <a:r>
+              <a:rPr lang="en-US" dirty="0" err="1"/>
+              <a:t>Sikeres</a:t>
+            </a:r>
+            <a:r>
+              <a:rPr lang="en-US" dirty="0"/>
+              <a:t> </a:t>
+            </a:r>
+            <a:r>
+              <a:rPr lang="en-US" dirty="0" err="1"/>
+              <a:t>bejelentkezés</a:t>
+            </a:r>
+            <a:r>
+              <a:rPr lang="en-US" dirty="0"/>
+              <a:t>".</a:t>
+            </a:r>
+          </a:p>
+        </p:txBody>
+      </p:sp>
+      <p:pic>
+        <p:nvPicPr>
+          <p:cNvPr id="8" name="Picture 7">
+            <a:extLst>
+              <a:ext uri="{FF2B5EF4-FFF2-40B4-BE49-F238E27FC236}">
+                <a16:creationId xmlns:a16="http://schemas.microsoft.com/office/drawing/2014/main" id="{F91E6BD0-EE5C-0D1D-8F3C-C611A5676021}"/>
+              </a:ext>
+            </a:extLst>
+          </p:cNvPr>
+          <p:cNvPicPr>
+            <a:picLocks noChangeAspect="1"/>
+          </p:cNvPicPr>
+          <p:nvPr/>
+        </p:nvPicPr>
+        <p:blipFill>
+          <a:blip r:embed="rId2"/>
+          <a:stretch>
+            <a:fillRect/>
+          </a:stretch>
+        </p:blipFill>
+        <p:spPr>
+          <a:xfrm>
+            <a:off x="2205038" y="2541316"/>
+            <a:ext cx="7781925" cy="2686050"/>
+          </a:xfrm>
+          <a:prstGeom prst="rect">
+            <a:avLst/>
+          </a:prstGeom>
+        </p:spPr>
+      </p:pic>
+    </p:spTree>
+    <p:extLst>
+      <p:ext uri="{BB962C8B-B14F-4D97-AF65-F5344CB8AC3E}">
+        <p14:creationId xmlns:p14="http://schemas.microsoft.com/office/powerpoint/2010/main" val="3854416135"/>
       </p:ext>
     </p:extLst>
   </p:cSld>

--- a/Projektmunka.pptx
+++ b/Projektmunka.pptx
@@ -12,6 +12,8 @@
     <p:sldId id="260" r:id="rId6"/>
     <p:sldId id="261" r:id="rId7"/>
     <p:sldId id="262" r:id="rId8"/>
+    <p:sldId id="263" r:id="rId9"/>
+    <p:sldId id="264" r:id="rId10"/>
   </p:sldIdLst>
   <p:sldSz cx="12192000" cy="6858000"/>
   <p:notesSz cx="6858000" cy="9144000"/>
@@ -3482,7 +3484,7 @@
                 <a16:creationId xmlns:a16="http://schemas.microsoft.com/office/drawing/2014/main" id="{85CB65D0-496F-4797-A015-C85839E35D1A}"/>
               </a:ext>
               <a:ext uri="{C183D7F6-B498-43B3-948B-1728B52AA6E4}">
-                <adec:decorative xmlns:adec="http://schemas.microsoft.com/office/drawing/2017/decorative" val="1"/>
+                <adec:decorative xmlns:adec="http://schemas.microsoft.com/office/drawing/2017/decorative" xmlns="" val="1"/>
               </a:ext>
             </a:extLst>
           </p:cNvPr>
@@ -3593,7 +3595,7 @@
                 <a16:creationId xmlns:a16="http://schemas.microsoft.com/office/drawing/2014/main" id="{95D2C779-8883-4E5F-A170-0F464918C1B7}"/>
               </a:ext>
               <a:ext uri="{C183D7F6-B498-43B3-948B-1728B52AA6E4}">
-                <adec:decorative xmlns:adec="http://schemas.microsoft.com/office/drawing/2017/decorative" val="1"/>
+                <adec:decorative xmlns:adec="http://schemas.microsoft.com/office/drawing/2017/decorative" xmlns="" val="1"/>
               </a:ext>
             </a:extLst>
           </p:cNvPr>
@@ -3798,7 +3800,7 @@
                 <a16:creationId xmlns:a16="http://schemas.microsoft.com/office/drawing/2014/main" id="{BD96A694-258D-4418-A83C-B9BA72FD44B8}"/>
               </a:ext>
               <a:ext uri="{C183D7F6-B498-43B3-948B-1728B52AA6E4}">
-                <adec:decorative xmlns:adec="http://schemas.microsoft.com/office/drawing/2017/decorative" val="1"/>
+                <adec:decorative xmlns:adec="http://schemas.microsoft.com/office/drawing/2017/decorative" xmlns="" val="1"/>
               </a:ext>
             </a:extLst>
           </p:cNvPr>
@@ -5454,6 +5456,238 @@
 </p:sld>
 </file>
 
+<file path=ppt/slides/slide8.xml><?xml version="1.0" encoding="utf-8"?>
+<p:sld xmlns:a="http://schemas.openxmlformats.org/drawingml/2006/main" xmlns:r="http://schemas.openxmlformats.org/officeDocument/2006/relationships" xmlns:p="http://schemas.openxmlformats.org/presentationml/2006/main">
+  <p:cSld>
+    <p:spTree>
+      <p:nvGrpSpPr>
+        <p:cNvPr id="1" name=""/>
+        <p:cNvGrpSpPr/>
+        <p:nvPr/>
+      </p:nvGrpSpPr>
+      <p:grpSpPr>
+        <a:xfrm>
+          <a:off x="0" y="0"/>
+          <a:ext cx="0" cy="0"/>
+          <a:chOff x="0" y="0"/>
+          <a:chExt cx="0" cy="0"/>
+        </a:xfrm>
+      </p:grpSpPr>
+      <p:sp>
+        <p:nvSpPr>
+          <p:cNvPr id="2" name="Cím 1"/>
+          <p:cNvSpPr>
+            <a:spLocks noGrp="1"/>
+          </p:cNvSpPr>
+          <p:nvPr>
+            <p:ph type="title"/>
+          </p:nvPr>
+        </p:nvSpPr>
+        <p:spPr>
+          <a:xfrm>
+            <a:off x="780148" y="318052"/>
+            <a:ext cx="2797939" cy="785191"/>
+          </a:xfrm>
+          <a:solidFill>
+            <a:srgbClr val="0085B4"/>
+          </a:solidFill>
+        </p:spPr>
+        <p:txBody>
+          <a:bodyPr/>
+          <a:lstStyle/>
+          <a:p>
+            <a:r>
+              <a:rPr lang="hu-HU" dirty="0" smtClean="0"/>
+              <a:t>backend</a:t>
+            </a:r>
+            <a:endParaRPr lang="hu-HU" dirty="0"/>
+          </a:p>
+        </p:txBody>
+      </p:sp>
+      <p:sp>
+        <p:nvSpPr>
+          <p:cNvPr id="3" name="Tartalom helye 2"/>
+          <p:cNvSpPr>
+            <a:spLocks noGrp="1"/>
+          </p:cNvSpPr>
+          <p:nvPr>
+            <p:ph idx="1"/>
+          </p:nvPr>
+        </p:nvSpPr>
+        <p:spPr>
+          <a:xfrm>
+            <a:off x="780148" y="1550504"/>
+            <a:ext cx="3497594" cy="4411384"/>
+          </a:xfrm>
+          <a:solidFill>
+            <a:srgbClr val="53D2FF"/>
+          </a:solidFill>
+        </p:spPr>
+        <p:txBody>
+          <a:bodyPr/>
+          <a:lstStyle/>
+          <a:p>
+            <a:pPr marL="0" indent="0">
+              <a:buNone/>
+            </a:pPr>
+            <a:r>
+              <a:rPr lang="hu-HU" b="1" dirty="0" smtClean="0"/>
+              <a:t>A backend részében egy </a:t>
+            </a:r>
+            <a:r>
+              <a:rPr lang="hu-HU" b="1" dirty="0" err="1" smtClean="0"/>
+              <a:t>admin</a:t>
+            </a:r>
+            <a:r>
+              <a:rPr lang="hu-HU" b="1" dirty="0" smtClean="0"/>
+              <a:t> felületet szeretnék csinálni ahol kezelni lehet a termékeket, felhasználókat, vásárlókat, vásárlásokat az adatbázisban.</a:t>
+            </a:r>
+          </a:p>
+          <a:p>
+            <a:pPr marL="0" indent="0">
+              <a:buNone/>
+            </a:pPr>
+            <a:r>
+              <a:rPr lang="hu-HU" b="1" dirty="0" smtClean="0"/>
+              <a:t>Eddig még nagyon kezdetleges.</a:t>
+            </a:r>
+            <a:endParaRPr lang="hu-HU" b="1" dirty="0"/>
+          </a:p>
+        </p:txBody>
+      </p:sp>
+      <p:pic>
+        <p:nvPicPr>
+          <p:cNvPr id="4" name="Kép 3"/>
+          <p:cNvPicPr>
+            <a:picLocks noChangeAspect="1"/>
+          </p:cNvPicPr>
+          <p:nvPr/>
+        </p:nvPicPr>
+        <p:blipFill>
+          <a:blip r:embed="rId2"/>
+          <a:stretch>
+            <a:fillRect/>
+          </a:stretch>
+        </p:blipFill>
+        <p:spPr>
+          <a:xfrm>
+            <a:off x="4277742" y="1371600"/>
+            <a:ext cx="7637676" cy="4590288"/>
+          </a:xfrm>
+          <a:prstGeom prst="rect">
+            <a:avLst/>
+          </a:prstGeom>
+        </p:spPr>
+      </p:pic>
+    </p:spTree>
+    <p:extLst>
+      <p:ext uri="{BB962C8B-B14F-4D97-AF65-F5344CB8AC3E}">
+        <p14:creationId xmlns:p14="http://schemas.microsoft.com/office/powerpoint/2010/main" val="996950151"/>
+      </p:ext>
+    </p:extLst>
+  </p:cSld>
+  <p:clrMapOvr>
+    <a:masterClrMapping/>
+  </p:clrMapOvr>
+</p:sld>
+</file>
+
+<file path=ppt/slides/slide9.xml><?xml version="1.0" encoding="utf-8"?>
+<p:sld xmlns:a="http://schemas.openxmlformats.org/drawingml/2006/main" xmlns:r="http://schemas.openxmlformats.org/officeDocument/2006/relationships" xmlns:p="http://schemas.openxmlformats.org/presentationml/2006/main">
+  <p:cSld>
+    <p:spTree>
+      <p:nvGrpSpPr>
+        <p:cNvPr id="1" name=""/>
+        <p:cNvGrpSpPr/>
+        <p:nvPr/>
+      </p:nvGrpSpPr>
+      <p:grpSpPr>
+        <a:xfrm>
+          <a:off x="0" y="0"/>
+          <a:ext cx="0" cy="0"/>
+          <a:chOff x="0" y="0"/>
+          <a:chExt cx="0" cy="0"/>
+        </a:xfrm>
+      </p:grpSpPr>
+      <p:sp>
+        <p:nvSpPr>
+          <p:cNvPr id="3" name="Tartalom helye 2"/>
+          <p:cNvSpPr>
+            <a:spLocks noGrp="1"/>
+          </p:cNvSpPr>
+          <p:nvPr>
+            <p:ph idx="1"/>
+          </p:nvPr>
+        </p:nvSpPr>
+        <p:spPr>
+          <a:xfrm>
+            <a:off x="785191" y="1023730"/>
+            <a:ext cx="10606709" cy="805070"/>
+          </a:xfrm>
+          <a:solidFill>
+            <a:srgbClr val="53D2FF"/>
+          </a:solidFill>
+        </p:spPr>
+        <p:txBody>
+          <a:bodyPr/>
+          <a:lstStyle/>
+          <a:p>
+            <a:pPr marL="0" indent="0">
+              <a:buNone/>
+            </a:pPr>
+            <a:r>
+              <a:rPr lang="hu-HU" b="1" dirty="0" smtClean="0"/>
+              <a:t>A termékek kezeléséhez egy táblázat van ahol a termékeknek van </a:t>
+            </a:r>
+            <a:r>
+              <a:rPr lang="hu-HU" b="1" dirty="0" err="1" smtClean="0"/>
+              <a:t>id</a:t>
+            </a:r>
+            <a:r>
+              <a:rPr lang="hu-HU" b="1" dirty="0" smtClean="0"/>
+              <a:t>, név, raktáron lévő darabszám, egységár adattagjuk. Ezeket szeretném majd az adatbázisból lekérni.</a:t>
+            </a:r>
+            <a:endParaRPr lang="hu-HU" b="1" dirty="0"/>
+          </a:p>
+        </p:txBody>
+      </p:sp>
+      <p:pic>
+        <p:nvPicPr>
+          <p:cNvPr id="4" name="Kép 3"/>
+          <p:cNvPicPr>
+            <a:picLocks noChangeAspect="1"/>
+          </p:cNvPicPr>
+          <p:nvPr/>
+        </p:nvPicPr>
+        <p:blipFill>
+          <a:blip r:embed="rId2"/>
+          <a:stretch>
+            <a:fillRect/>
+          </a:stretch>
+        </p:blipFill>
+        <p:spPr>
+          <a:xfrm>
+            <a:off x="785190" y="1828800"/>
+            <a:ext cx="9611139" cy="4333654"/>
+          </a:xfrm>
+          <a:prstGeom prst="rect">
+            <a:avLst/>
+          </a:prstGeom>
+        </p:spPr>
+      </p:pic>
+    </p:spTree>
+    <p:extLst>
+      <p:ext uri="{BB962C8B-B14F-4D97-AF65-F5344CB8AC3E}">
+        <p14:creationId xmlns:p14="http://schemas.microsoft.com/office/powerpoint/2010/main" val="2801202615"/>
+      </p:ext>
+    </p:extLst>
+  </p:cSld>
+  <p:clrMapOvr>
+    <a:masterClrMapping/>
+  </p:clrMapOvr>
+</p:sld>
+</file>
+
 <file path=ppt/theme/theme1.xml><?xml version="1.0" encoding="utf-8"?>
 <a:theme xmlns:a="http://schemas.openxmlformats.org/drawingml/2006/main" name="ChronicleVTI">
   <a:themeElements>

--- a/Projektmunka.pptx
+++ b/Projektmunka.pptx
@@ -12,8 +12,6 @@
     <p:sldId id="260" r:id="rId6"/>
     <p:sldId id="261" r:id="rId7"/>
     <p:sldId id="262" r:id="rId8"/>
-    <p:sldId id="263" r:id="rId9"/>
-    <p:sldId id="264" r:id="rId10"/>
   </p:sldIdLst>
   <p:sldSz cx="12192000" cy="6858000"/>
   <p:notesSz cx="6858000" cy="9144000"/>
@@ -281,7 +279,7 @@
           <a:p>
             <a:fld id="{D1D1EADE-8E88-4C7C-8AC5-FB148DE4940E}" type="datetime1">
               <a:rPr lang="en-US" smtClean="0"/>
-              <a:t>10/6/2025</a:t>
+              <a:t>10/7/2025</a:t>
             </a:fld>
             <a:endParaRPr lang="en-US"/>
           </a:p>
@@ -481,7 +479,7 @@
           <a:p>
             <a:fld id="{EC3C8B9C-477D-492A-96AD-1FC2CC997A73}" type="datetime1">
               <a:rPr lang="en-US" smtClean="0"/>
-              <a:t>10/6/2025</a:t>
+              <a:t>10/7/2025</a:t>
             </a:fld>
             <a:endParaRPr lang="en-US"/>
           </a:p>
@@ -691,7 +689,7 @@
           <a:p>
             <a:fld id="{42D3AED5-E26D-4E29-B1B3-7847B6779594}" type="datetime1">
               <a:rPr lang="en-US" smtClean="0"/>
-              <a:t>10/6/2025</a:t>
+              <a:t>10/7/2025</a:t>
             </a:fld>
             <a:endParaRPr lang="en-US"/>
           </a:p>
@@ -891,7 +889,7 @@
           <a:p>
             <a:fld id="{157B6794-849E-4626-908B-D15793550EFB}" type="datetime1">
               <a:rPr lang="en-US" smtClean="0"/>
-              <a:t>10/6/2025</a:t>
+              <a:t>10/7/2025</a:t>
             </a:fld>
             <a:endParaRPr lang="en-US"/>
           </a:p>
@@ -1167,7 +1165,7 @@
           <a:p>
             <a:fld id="{63DB64E7-5594-42A3-ADBF-E95A7ACEAD64}" type="datetime1">
               <a:rPr lang="en-US" smtClean="0"/>
-              <a:t>10/6/2025</a:t>
+              <a:t>10/7/2025</a:t>
             </a:fld>
             <a:endParaRPr lang="en-US"/>
           </a:p>
@@ -1440,7 +1438,7 @@
           <a:p>
             <a:fld id="{18462B0B-D248-4FFB-8695-AD7FA4B1284A}" type="datetime1">
               <a:rPr lang="en-US" smtClean="0"/>
-              <a:t>10/6/2025</a:t>
+              <a:t>10/7/2025</a:t>
             </a:fld>
             <a:endParaRPr lang="en-US"/>
           </a:p>
@@ -1863,7 +1861,7 @@
           <a:p>
             <a:fld id="{D0378EFB-9159-4510-B73F-4F0409ADE937}" type="datetime1">
               <a:rPr lang="en-US" smtClean="0"/>
-              <a:t>10/6/2025</a:t>
+              <a:t>10/7/2025</a:t>
             </a:fld>
             <a:endParaRPr lang="en-US"/>
           </a:p>
@@ -2005,7 +2003,7 @@
           <a:p>
             <a:fld id="{89BC9412-2452-4BED-A324-9D8C115361AD}" type="datetime1">
               <a:rPr lang="en-US" smtClean="0"/>
-              <a:t>10/6/2025</a:t>
+              <a:t>10/7/2025</a:t>
             </a:fld>
             <a:endParaRPr lang="en-US"/>
           </a:p>
@@ -2118,7 +2116,7 @@
           <a:p>
             <a:fld id="{F5318F62-D251-40E8-A23C-F4CFE9FEAB41}" type="datetime1">
               <a:rPr lang="en-US" smtClean="0"/>
-              <a:t>10/6/2025</a:t>
+              <a:t>10/7/2025</a:t>
             </a:fld>
             <a:endParaRPr lang="en-US"/>
           </a:p>
@@ -2431,7 +2429,7 @@
           <a:p>
             <a:fld id="{44F76144-149E-4874-93A5-554A0357CF82}" type="datetime1">
               <a:rPr lang="en-US" smtClean="0"/>
-              <a:t>10/6/2025</a:t>
+              <a:t>10/7/2025</a:t>
             </a:fld>
             <a:endParaRPr lang="en-US"/>
           </a:p>
@@ -2724,7 +2722,7 @@
           <a:p>
             <a:fld id="{50BA65D8-0540-4835-AE5C-25D29DBA01BE}" type="datetime1">
               <a:rPr lang="en-US" smtClean="0"/>
-              <a:t>10/6/2025</a:t>
+              <a:t>10/7/2025</a:t>
             </a:fld>
             <a:endParaRPr lang="en-US"/>
           </a:p>
@@ -2975,7 +2973,7 @@
           <a:p>
             <a:fld id="{E31BA835-12AC-4E8F-955A-EA3F4DE2791F}" type="datetime1">
               <a:rPr lang="en-US" smtClean="0"/>
-              <a:t>10/6/2025</a:t>
+              <a:t>10/7/2025</a:t>
             </a:fld>
             <a:endParaRPr lang="en-US"/>
           </a:p>
@@ -3484,7 +3482,7 @@
                 <a16:creationId xmlns:a16="http://schemas.microsoft.com/office/drawing/2014/main" id="{85CB65D0-496F-4797-A015-C85839E35D1A}"/>
               </a:ext>
               <a:ext uri="{C183D7F6-B498-43B3-948B-1728B52AA6E4}">
-                <adec:decorative xmlns:adec="http://schemas.microsoft.com/office/drawing/2017/decorative" xmlns="" val="1"/>
+                <adec:decorative xmlns:adec="http://schemas.microsoft.com/office/drawing/2017/decorative" val="1"/>
               </a:ext>
             </a:extLst>
           </p:cNvPr>
@@ -3548,7 +3546,7 @@
           <a:lstStyle/>
           <a:p>
             <a:pPr algn="ctr"/>
-            <a:endParaRPr lang="en-US"/>
+            <a:endParaRPr lang="en-US" dirty="0"/>
           </a:p>
         </p:txBody>
       </p:sp>
@@ -3595,7 +3593,7 @@
                 <a16:creationId xmlns:a16="http://schemas.microsoft.com/office/drawing/2014/main" id="{95D2C779-8883-4E5F-A170-0F464918C1B7}"/>
               </a:ext>
               <a:ext uri="{C183D7F6-B498-43B3-948B-1728B52AA6E4}">
-                <adec:decorative xmlns:adec="http://schemas.microsoft.com/office/drawing/2017/decorative" xmlns="" val="1"/>
+                <adec:decorative xmlns:adec="http://schemas.microsoft.com/office/drawing/2017/decorative" val="1"/>
               </a:ext>
             </a:extLst>
           </p:cNvPr>
@@ -3673,7 +3671,7 @@
           <a:lstStyle/>
           <a:p>
             <a:pPr algn="ctr"/>
-            <a:endParaRPr lang="en-US"/>
+            <a:endParaRPr lang="en-US" dirty="0"/>
           </a:p>
         </p:txBody>
       </p:sp>
@@ -3800,7 +3798,7 @@
                 <a16:creationId xmlns:a16="http://schemas.microsoft.com/office/drawing/2014/main" id="{BD96A694-258D-4418-A83C-B9BA72FD44B8}"/>
               </a:ext>
               <a:ext uri="{C183D7F6-B498-43B3-948B-1728B52AA6E4}">
-                <adec:decorative xmlns:adec="http://schemas.microsoft.com/office/drawing/2017/decorative" xmlns="" val="1"/>
+                <adec:decorative xmlns:adec="http://schemas.microsoft.com/office/drawing/2017/decorative" val="1"/>
               </a:ext>
             </a:extLst>
           </p:cNvPr>
@@ -4349,7 +4347,7 @@
         </p:nvSpPr>
         <p:spPr>
           <a:solidFill>
-            <a:srgbClr val="92CDFF">
+            <a:srgbClr val="53D2FF">
               <a:alpha val="87000"/>
             </a:srgbClr>
           </a:solidFill>
@@ -4406,7 +4404,18 @@
               <a:rPr lang="hu-HU" sz="2400" b="1" dirty="0" err="1"/>
               <a:t>javascript</a:t>
             </a:r>
-            <a:endParaRPr lang="hu-HU" sz="2400" b="1" dirty="0"/>
+            <a:r>
+              <a:rPr lang="hu-HU" sz="2400" b="1" dirty="0"/>
+              <a:t> : </a:t>
+            </a:r>
+            <a:r>
+              <a:rPr lang="hu-HU" sz="2400" b="1" dirty="0" err="1"/>
+              <a:t>Kamecz</a:t>
+            </a:r>
+            <a:r>
+              <a:rPr lang="hu-HU" sz="2400" b="1" dirty="0"/>
+              <a:t> Martin, Péterffy Dominika</a:t>
+            </a:r>
           </a:p>
           <a:p>
             <a:pPr>
@@ -4415,16 +4424,6 @@
             </a:pPr>
             <a:r>
               <a:rPr lang="hu-HU" sz="2400" b="1" dirty="0"/>
-              <a:t> Backend: ?</a:t>
-            </a:r>
-          </a:p>
-          <a:p>
-            <a:pPr>
-              <a:buFont typeface="Wingdings" panose="05000000000000000000" pitchFamily="2" charset="2"/>
-              <a:buChar char="Ø"/>
-            </a:pPr>
-            <a:r>
-              <a:rPr lang="hu-HU" sz="2400" b="1" dirty="0"/>
               <a:t> Adatbázis: </a:t>
             </a:r>
             <a:r>
@@ -4433,7 +4432,15 @@
             </a:r>
             <a:r>
               <a:rPr lang="hu-HU" sz="2400" b="1" dirty="0"/>
-              <a:t>, php</a:t>
+              <a:t>, php : </a:t>
+            </a:r>
+            <a:r>
+              <a:rPr lang="hu-HU" sz="2400" b="1" dirty="0" err="1"/>
+              <a:t>Hegymegi</a:t>
+            </a:r>
+            <a:r>
+              <a:rPr lang="hu-HU" sz="2400" b="1" dirty="0"/>
+              <a:t>-Kiss Ákos</a:t>
             </a:r>
           </a:p>
         </p:txBody>
@@ -4518,7 +4525,9 @@
           <a:prstGeom prst="rect">
             <a:avLst/>
           </a:prstGeom>
-          <a:noFill/>
+          <a:solidFill>
+            <a:srgbClr val="53D2FF"/>
+          </a:solidFill>
         </p:spPr>
         <p:txBody>
           <a:bodyPr rot="0" spcFirstLastPara="0" vertOverflow="overflow" horzOverflow="overflow" vert="horz" wrap="square" lIns="91440" tIns="45720" rIns="91440" bIns="45720" numCol="1" spcCol="0" rtlCol="0" fromWordArt="0" anchor="t" anchorCtr="0" forceAA="0" compatLnSpc="1">
@@ -4530,119 +4539,143 @@
           <a:lstStyle/>
           <a:p>
             <a:r>
-              <a:rPr lang="en-US" dirty="0"/>
+              <a:rPr lang="en-US" b="1" dirty="0"/>
               <a:t>A </a:t>
             </a:r>
             <a:r>
-              <a:rPr lang="en-US" err="1"/>
+              <a:rPr lang="en-US" b="1" dirty="0" err="1"/>
               <a:t>Főoldalon</a:t>
             </a:r>
             <a:r>
-              <a:rPr lang="en-US" dirty="0"/>
+              <a:rPr lang="en-US" b="1" dirty="0"/>
               <a:t> </a:t>
             </a:r>
             <a:r>
-              <a:rPr lang="en-US" err="1"/>
+              <a:rPr lang="en-US" b="1" dirty="0" err="1"/>
               <a:t>megtalálható</a:t>
             </a:r>
             <a:r>
-              <a:rPr lang="en-US" dirty="0"/>
+              <a:rPr lang="en-US" b="1" dirty="0"/>
               <a:t>, </a:t>
             </a:r>
             <a:r>
-              <a:rPr lang="en-US" err="1"/>
+              <a:rPr lang="en-US" b="1" dirty="0" err="1"/>
               <a:t>hogy</a:t>
             </a:r>
             <a:r>
-              <a:rPr lang="en-US" dirty="0"/>
+              <a:rPr lang="en-US" b="1" dirty="0"/>
               <a:t> </a:t>
             </a:r>
             <a:r>
-              <a:rPr lang="en-US" err="1"/>
+              <a:rPr lang="en-US" b="1" dirty="0" err="1"/>
               <a:t>milyen</a:t>
             </a:r>
             <a:r>
-              <a:rPr lang="en-US" dirty="0"/>
+              <a:rPr lang="en-US" b="1" dirty="0"/>
               <a:t> </a:t>
             </a:r>
             <a:r>
-              <a:rPr lang="en-US" err="1"/>
+              <a:rPr lang="en-US" b="1" dirty="0" err="1"/>
               <a:t>fajta</a:t>
             </a:r>
             <a:r>
-              <a:rPr lang="en-US" dirty="0"/>
+              <a:rPr lang="en-US" b="1" dirty="0"/>
               <a:t> </a:t>
             </a:r>
             <a:r>
-              <a:rPr lang="en-US" err="1"/>
+              <a:rPr lang="en-US" b="1" dirty="0" err="1"/>
               <a:t>állatokhoz</a:t>
             </a:r>
             <a:r>
-              <a:rPr lang="en-US" dirty="0"/>
+              <a:rPr lang="en-US" b="1" dirty="0"/>
               <a:t> </a:t>
             </a:r>
             <a:r>
-              <a:rPr lang="en-US" err="1"/>
+              <a:rPr lang="en-US" b="1" dirty="0" err="1"/>
               <a:t>lehet</a:t>
             </a:r>
             <a:r>
-              <a:rPr lang="en-US" dirty="0"/>
+              <a:rPr lang="en-US" b="1" dirty="0"/>
               <a:t> </a:t>
             </a:r>
             <a:r>
-              <a:rPr lang="en-US" err="1"/>
+              <a:rPr lang="en-US" b="1" dirty="0" err="1"/>
               <a:t>vásárolni</a:t>
             </a:r>
             <a:r>
-              <a:rPr lang="en-US" dirty="0"/>
-              <a:t>. Pl:_</a:t>
-            </a:r>
-            <a:r>
-              <a:rPr lang="en-US" err="1"/>
-              <a:t>játékok,eledelek,és</a:t>
-            </a:r>
-            <a:r>
-              <a:rPr lang="en-US" dirty="0"/>
+              <a:rPr lang="en-US" b="1" dirty="0"/>
+              <a:t>. Pl:</a:t>
+            </a:r>
+            <a:r>
+              <a:rPr lang="hu-HU" b="1" dirty="0"/>
+              <a:t> </a:t>
+            </a:r>
+            <a:r>
+              <a:rPr lang="en-US" b="1" dirty="0" err="1"/>
+              <a:t>játékok</a:t>
+            </a:r>
+            <a:r>
+              <a:rPr lang="en-US" b="1" dirty="0"/>
+              <a:t>,</a:t>
+            </a:r>
+            <a:r>
+              <a:rPr lang="hu-HU" b="1" dirty="0"/>
+              <a:t> </a:t>
+            </a:r>
+            <a:r>
+              <a:rPr lang="en-US" b="1" dirty="0" err="1"/>
+              <a:t>eledelek</a:t>
+            </a:r>
+            <a:r>
+              <a:rPr lang="hu-HU" b="1" dirty="0"/>
+              <a:t> </a:t>
+            </a:r>
+            <a:r>
+              <a:rPr lang="en-US" b="1" dirty="0" err="1"/>
+              <a:t>és</a:t>
+            </a:r>
+            <a:r>
+              <a:rPr lang="en-US" b="1" dirty="0"/>
               <a:t> </a:t>
             </a:r>
             <a:r>
-              <a:rPr lang="en-US" err="1"/>
+              <a:rPr lang="en-US" b="1" dirty="0" err="1"/>
               <a:t>többi</a:t>
             </a:r>
             <a:r>
-              <a:rPr lang="en-US" dirty="0"/>
+              <a:rPr lang="en-US" b="1" dirty="0"/>
               <a:t> </a:t>
             </a:r>
             <a:r>
-              <a:rPr lang="en-US" err="1"/>
+              <a:rPr lang="en-US" b="1" dirty="0" err="1"/>
               <a:t>szükséges</a:t>
             </a:r>
             <a:r>
-              <a:rPr lang="en-US" dirty="0"/>
+              <a:rPr lang="en-US" b="1" dirty="0"/>
               <a:t> </a:t>
             </a:r>
             <a:r>
-              <a:rPr lang="en-US" err="1"/>
+              <a:rPr lang="en-US" b="1" dirty="0" err="1"/>
               <a:t>tárgy</a:t>
             </a:r>
             <a:r>
-              <a:rPr lang="en-US" dirty="0"/>
+              <a:rPr lang="en-US" b="1" dirty="0"/>
               <a:t> a </a:t>
             </a:r>
             <a:r>
-              <a:rPr lang="en-US" err="1"/>
+              <a:rPr lang="en-US" b="1" dirty="0" err="1"/>
               <a:t>kedvencek</a:t>
             </a:r>
             <a:r>
-              <a:rPr lang="en-US" dirty="0"/>
+              <a:rPr lang="en-US" b="1" dirty="0"/>
               <a:t> </a:t>
             </a:r>
             <a:r>
-              <a:rPr lang="en-US" err="1"/>
+              <a:rPr lang="en-US" b="1" dirty="0" err="1"/>
               <a:t>tartásához</a:t>
             </a:r>
             <a:r>
-              <a:rPr lang="en-US" dirty="0"/>
+              <a:rPr lang="en-US" b="1" dirty="0"/>
               <a:t>.</a:t>
             </a:r>
           </a:p>
@@ -4728,7 +4761,9 @@
           <a:prstGeom prst="rect">
             <a:avLst/>
           </a:prstGeom>
-          <a:noFill/>
+          <a:solidFill>
+            <a:srgbClr val="53D2FF"/>
+          </a:solidFill>
         </p:spPr>
         <p:txBody>
           <a:bodyPr rot="0" spcFirstLastPara="0" vertOverflow="overflow" horzOverflow="overflow" vert="horz" wrap="square" lIns="91440" tIns="45720" rIns="91440" bIns="45720" numCol="1" spcCol="0" rtlCol="0" fromWordArt="0" anchor="t" anchorCtr="0" forceAA="0" compatLnSpc="1">
@@ -4740,106 +4775,113 @@
           <a:lstStyle/>
           <a:p>
             <a:r>
-              <a:rPr lang="en-US" dirty="0"/>
+              <a:rPr lang="en-US" b="1" dirty="0"/>
               <a:t>Pl:_ A </a:t>
             </a:r>
             <a:r>
-              <a:rPr lang="en-US" dirty="0" err="1"/>
+              <a:rPr lang="en-US" b="1" dirty="0" err="1"/>
               <a:t>hüllők</a:t>
             </a:r>
             <a:r>
-              <a:rPr lang="en-US" dirty="0"/>
+              <a:rPr lang="en-US" b="1" dirty="0"/>
               <a:t> </a:t>
             </a:r>
             <a:r>
-              <a:rPr lang="en-US" dirty="0" err="1"/>
+              <a:rPr lang="en-US" b="1" dirty="0" err="1"/>
               <a:t>oldalon</a:t>
             </a:r>
             <a:r>
-              <a:rPr lang="en-US" dirty="0"/>
+              <a:rPr lang="en-US" b="1" dirty="0"/>
               <a:t> </a:t>
             </a:r>
             <a:r>
-              <a:rPr lang="en-US" dirty="0" err="1"/>
+              <a:rPr lang="en-US" b="1" dirty="0" err="1"/>
               <a:t>láthatunk</a:t>
             </a:r>
             <a:r>
-              <a:rPr lang="en-US" dirty="0"/>
+              <a:rPr lang="en-US" b="1" dirty="0"/>
               <a:t> </a:t>
             </a:r>
             <a:r>
-              <a:rPr lang="en-US" dirty="0" err="1"/>
+              <a:rPr lang="en-US" b="1" dirty="0" err="1"/>
               <a:t>többféle</a:t>
             </a:r>
             <a:r>
-              <a:rPr lang="en-US" dirty="0"/>
+              <a:rPr lang="en-US" b="1" dirty="0"/>
               <a:t> </a:t>
             </a:r>
             <a:r>
-              <a:rPr lang="en-US" dirty="0" err="1"/>
+              <a:rPr lang="en-US" b="1" dirty="0" err="1"/>
               <a:t>terráriumot</a:t>
             </a:r>
             <a:r>
-              <a:rPr lang="en-US" dirty="0"/>
+              <a:rPr lang="en-US" b="1" dirty="0"/>
               <a:t> </a:t>
             </a:r>
             <a:r>
-              <a:rPr lang="en-US" dirty="0" err="1"/>
+              <a:rPr lang="en-US" b="1" dirty="0" err="1"/>
               <a:t>és</a:t>
             </a:r>
             <a:r>
-              <a:rPr lang="en-US" dirty="0"/>
+              <a:rPr lang="en-US" b="1" dirty="0"/>
               <a:t> </a:t>
             </a:r>
             <a:r>
-              <a:rPr lang="en-US" dirty="0" err="1"/>
+              <a:rPr lang="en-US" b="1" dirty="0" err="1"/>
               <a:t>lámpákat</a:t>
             </a:r>
             <a:r>
-              <a:rPr lang="en-US" dirty="0"/>
+              <a:rPr lang="en-US" b="1" dirty="0"/>
               <a:t> is. </a:t>
             </a:r>
             <a:r>
-              <a:rPr lang="en-US" dirty="0" err="1"/>
+              <a:rPr lang="en-US" b="1" dirty="0" err="1"/>
               <a:t>Amiket</a:t>
             </a:r>
             <a:r>
-              <a:rPr lang="en-US" dirty="0"/>
-              <a:t> ha </a:t>
-            </a:r>
-            <a:r>
-              <a:rPr lang="en-US" dirty="0" err="1"/>
-              <a:t>szeretnénk</a:t>
-            </a:r>
-            <a:r>
-              <a:rPr lang="en-US" dirty="0"/>
+              <a:rPr lang="en-US" b="1" dirty="0"/>
+              <a:t> ha szeretnénk</a:t>
+            </a:r>
+            <a:r>
+              <a:rPr lang="hu-HU" b="1" dirty="0"/>
+              <a:t> megvásárolni</a:t>
+            </a:r>
+            <a:r>
+              <a:rPr lang="en-US" b="1" dirty="0"/>
               <a:t> </a:t>
             </a:r>
             <a:r>
-              <a:rPr lang="en-US" dirty="0" err="1"/>
+              <a:rPr lang="en-US" b="1" dirty="0" err="1"/>
               <a:t>akkor</a:t>
             </a:r>
             <a:r>
-              <a:rPr lang="en-US" dirty="0"/>
+              <a:rPr lang="en-US" b="1" dirty="0"/>
               <a:t> </a:t>
             </a:r>
             <a:r>
-              <a:rPr lang="en-US" dirty="0" err="1"/>
+              <a:rPr lang="en-US" b="1" dirty="0" err="1"/>
               <a:t>kosárba</a:t>
             </a:r>
             <a:r>
-              <a:rPr lang="en-US" dirty="0"/>
+              <a:rPr lang="en-US" b="1" dirty="0"/>
               <a:t> is </a:t>
             </a:r>
             <a:r>
-              <a:rPr lang="en-US" dirty="0" err="1"/>
+              <a:rPr lang="en-US" b="1" dirty="0" err="1"/>
               <a:t>tehetjük</a:t>
             </a:r>
             <a:r>
-              <a:rPr lang="en-US"/>
-              <a:t> őket.</a:t>
-            </a:r>
-            <a:endParaRPr lang="en-US" dirty="0"/>
+              <a:rPr lang="en-US" b="1" dirty="0"/>
+              <a:t> </a:t>
+            </a:r>
+            <a:r>
+              <a:rPr lang="en-US" b="1" dirty="0" err="1"/>
+              <a:t>őket</a:t>
+            </a:r>
+            <a:r>
+              <a:rPr lang="en-US" b="1" dirty="0"/>
+              <a:t>.</a:t>
+            </a:r>
           </a:p>
         </p:txBody>
       </p:sp>
@@ -4953,7 +4995,9 @@
           <a:prstGeom prst="rect">
             <a:avLst/>
           </a:prstGeom>
-          <a:noFill/>
+          <a:solidFill>
+            <a:srgbClr val="53D2FF"/>
+          </a:solidFill>
         </p:spPr>
         <p:txBody>
           <a:bodyPr rot="0" spcFirstLastPara="0" vertOverflow="overflow" horzOverflow="overflow" vert="horz" wrap="square" lIns="91440" tIns="45720" rIns="91440" bIns="45720" numCol="1" spcCol="0" rtlCol="0" fromWordArt="0" anchor="t" anchorCtr="0" forceAA="0" compatLnSpc="1">
@@ -4965,111 +5009,131 @@
           <a:lstStyle/>
           <a:p>
             <a:r>
-              <a:rPr lang="en-US" dirty="0"/>
+              <a:rPr lang="en-US" b="1" dirty="0"/>
               <a:t>A </a:t>
             </a:r>
             <a:r>
-              <a:rPr lang="en-US" dirty="0" err="1"/>
+              <a:rPr lang="en-US" b="1" dirty="0" err="1"/>
               <a:t>kosárban</a:t>
             </a:r>
             <a:r>
-              <a:rPr lang="en-US" dirty="0"/>
+              <a:rPr lang="en-US" b="1" dirty="0"/>
               <a:t> </a:t>
             </a:r>
             <a:r>
-              <a:rPr lang="en-US" dirty="0" err="1"/>
+              <a:rPr lang="en-US" b="1" dirty="0" err="1"/>
               <a:t>az</a:t>
             </a:r>
             <a:r>
-              <a:rPr lang="en-US" dirty="0"/>
+              <a:rPr lang="en-US" b="1" dirty="0"/>
               <a:t> </a:t>
             </a:r>
             <a:r>
-              <a:rPr lang="en-US" dirty="0" err="1"/>
+              <a:rPr lang="en-US" b="1" dirty="0" err="1"/>
               <a:t>adatainkat</a:t>
             </a:r>
             <a:r>
-              <a:rPr lang="en-US" dirty="0"/>
+              <a:rPr lang="en-US" b="1" dirty="0"/>
               <a:t> </a:t>
             </a:r>
             <a:r>
-              <a:rPr lang="en-US" dirty="0" err="1"/>
+              <a:rPr lang="en-US" b="1" dirty="0" err="1"/>
               <a:t>láthatjuk</a:t>
             </a:r>
             <a:r>
-              <a:rPr lang="en-US" dirty="0"/>
+              <a:rPr lang="en-US" b="1" dirty="0"/>
               <a:t> </a:t>
             </a:r>
             <a:r>
-              <a:rPr lang="en-US" dirty="0" err="1"/>
+              <a:rPr lang="en-US" b="1" dirty="0" err="1"/>
               <a:t>és</a:t>
             </a:r>
             <a:r>
-              <a:rPr lang="en-US" dirty="0"/>
+              <a:rPr lang="en-US" b="1" dirty="0"/>
               <a:t> a </a:t>
             </a:r>
             <a:r>
-              <a:rPr lang="en-US" dirty="0" err="1"/>
+              <a:rPr lang="en-US" b="1" dirty="0" err="1"/>
               <a:t>kosarunk</a:t>
             </a:r>
             <a:r>
-              <a:rPr lang="en-US" dirty="0"/>
+              <a:rPr lang="en-US" b="1" dirty="0"/>
               <a:t> </a:t>
             </a:r>
             <a:r>
-              <a:rPr lang="en-US" dirty="0" err="1"/>
+              <a:rPr lang="en-US" b="1" dirty="0" err="1"/>
               <a:t>tartalma</a:t>
             </a:r>
             <a:r>
-              <a:rPr lang="en-US" dirty="0"/>
+              <a:rPr lang="en-US" b="1" dirty="0"/>
               <a:t> is </a:t>
             </a:r>
             <a:r>
-              <a:rPr lang="en-US" dirty="0" err="1"/>
+              <a:rPr lang="en-US" b="1" dirty="0" err="1"/>
               <a:t>látható</a:t>
             </a:r>
             <a:r>
-              <a:rPr lang="en-US" dirty="0"/>
-              <a:t>. A </a:t>
-            </a:r>
-            <a:r>
-              <a:rPr lang="en-US" dirty="0" err="1"/>
-              <a:t>kosarban</a:t>
-            </a:r>
-            <a:r>
-              <a:rPr lang="en-US" dirty="0"/>
+              <a:rPr lang="en-US" b="1" dirty="0"/>
+              <a:t>. A kos</a:t>
+            </a:r>
+            <a:r>
+              <a:rPr lang="hu-HU" b="1" dirty="0"/>
+              <a:t>á</a:t>
+            </a:r>
+            <a:r>
+              <a:rPr lang="en-US" b="1" dirty="0" err="1"/>
+              <a:t>rban</a:t>
+            </a:r>
+            <a:r>
+              <a:rPr lang="en-US" b="1" dirty="0"/>
               <a:t>  a </a:t>
             </a:r>
             <a:r>
-              <a:rPr lang="en-US" dirty="0" err="1"/>
+              <a:rPr lang="en-US" b="1" dirty="0" err="1"/>
               <a:t>kiválasztott</a:t>
             </a:r>
             <a:r>
-              <a:rPr lang="en-US" dirty="0"/>
-              <a:t> </a:t>
-            </a:r>
-            <a:r>
-              <a:rPr lang="en-US" dirty="0" err="1"/>
-              <a:t>termekek</a:t>
-            </a:r>
-            <a:r>
-              <a:rPr lang="en-US" dirty="0"/>
-              <a:t> </a:t>
-            </a:r>
-            <a:r>
-              <a:rPr lang="en-US" dirty="0" err="1"/>
-              <a:t>vegosszege</a:t>
-            </a:r>
-            <a:r>
-              <a:rPr lang="en-US" dirty="0"/>
+              <a:rPr lang="en-US" b="1" dirty="0"/>
+              <a:t> term</a:t>
+            </a:r>
+            <a:r>
+              <a:rPr lang="hu-HU" b="1" dirty="0"/>
+              <a:t>é</a:t>
+            </a:r>
+            <a:r>
+              <a:rPr lang="en-US" b="1" dirty="0" err="1"/>
+              <a:t>kek</a:t>
+            </a:r>
+            <a:r>
+              <a:rPr lang="en-US" b="1" dirty="0"/>
+              <a:t> v</a:t>
+            </a:r>
+            <a:r>
+              <a:rPr lang="hu-HU" b="1" dirty="0"/>
+              <a:t>é</a:t>
+            </a:r>
+            <a:r>
+              <a:rPr lang="en-US" b="1" dirty="0"/>
+              <a:t>g</a:t>
+            </a:r>
+            <a:r>
+              <a:rPr lang="hu-HU" b="1" dirty="0"/>
+              <a:t>ö</a:t>
+            </a:r>
+            <a:r>
+              <a:rPr lang="en-US" b="1" dirty="0" err="1"/>
+              <a:t>sszege</a:t>
+            </a:r>
+            <a:r>
+              <a:rPr lang="en-US" b="1" dirty="0"/>
               <a:t> is ki van </a:t>
             </a:r>
             <a:r>
-              <a:rPr lang="en-US" dirty="0" err="1"/>
+              <a:rPr lang="en-US" b="1" dirty="0" err="1"/>
               <a:t>írva</a:t>
             </a:r>
             <a:r>
-              <a:rPr lang="en-US" dirty="0"/>
+              <a:rPr lang="en-US" b="1" dirty="0"/>
               <a:t>.</a:t>
             </a:r>
           </a:p>
@@ -5155,7 +5219,9 @@
           <a:prstGeom prst="rect">
             <a:avLst/>
           </a:prstGeom>
-          <a:noFill/>
+          <a:solidFill>
+            <a:srgbClr val="53D2FF"/>
+          </a:solidFill>
         </p:spPr>
         <p:txBody>
           <a:bodyPr rot="0" spcFirstLastPara="0" vertOverflow="overflow" horzOverflow="overflow" vert="horz" wrap="square" lIns="91440" tIns="45720" rIns="91440" bIns="45720" numCol="1" spcCol="0" rtlCol="0" fromWordArt="0" anchor="t" anchorCtr="0" forceAA="0" compatLnSpc="1">
@@ -5167,87 +5233,119 @@
           <a:lstStyle/>
           <a:p>
             <a:r>
-              <a:rPr lang="en-US" dirty="0"/>
+              <a:rPr lang="en-US" b="1" dirty="0"/>
               <a:t>Ez a </a:t>
             </a:r>
             <a:r>
-              <a:rPr lang="en-US" dirty="0" err="1"/>
-              <a:t>regisztraciós</a:t>
-            </a:r>
-            <a:r>
-              <a:rPr lang="en-US" dirty="0"/>
+              <a:rPr lang="en-US" b="1" dirty="0" err="1"/>
+              <a:t>regisztr</a:t>
+            </a:r>
+            <a:r>
+              <a:rPr lang="hu-HU" b="1" dirty="0"/>
+              <a:t>á</a:t>
+            </a:r>
+            <a:r>
+              <a:rPr lang="en-US" b="1" dirty="0" err="1"/>
+              <a:t>ciós</a:t>
+            </a:r>
+            <a:r>
+              <a:rPr lang="en-US" b="1" dirty="0"/>
               <a:t> </a:t>
             </a:r>
             <a:r>
-              <a:rPr lang="en-US" dirty="0" err="1"/>
+              <a:rPr lang="en-US" b="1" dirty="0" err="1"/>
               <a:t>oldal</a:t>
             </a:r>
             <a:r>
-              <a:rPr lang="en-US" dirty="0"/>
+              <a:rPr lang="en-US" b="1" dirty="0"/>
               <a:t> </a:t>
             </a:r>
             <a:r>
-              <a:rPr lang="en-US" dirty="0" err="1"/>
+              <a:rPr lang="en-US" b="1" dirty="0" err="1"/>
               <a:t>ahol</a:t>
             </a:r>
             <a:r>
-              <a:rPr lang="en-US" dirty="0"/>
-              <a:t> ha mar van </a:t>
-            </a:r>
-            <a:r>
-              <a:rPr lang="en-US" dirty="0" err="1"/>
-              <a:t>fiokunk</a:t>
-            </a:r>
-            <a:r>
-              <a:rPr lang="en-US" dirty="0"/>
+              <a:rPr lang="en-US" b="1" dirty="0"/>
+              <a:t> ha m</a:t>
+            </a:r>
+            <a:r>
+              <a:rPr lang="hu-HU" b="1" dirty="0"/>
+              <a:t>á</a:t>
+            </a:r>
+            <a:r>
+              <a:rPr lang="en-US" b="1" dirty="0"/>
+              <a:t>r van fi</a:t>
+            </a:r>
+            <a:r>
+              <a:rPr lang="hu-HU" b="1" dirty="0"/>
+              <a:t>ó</a:t>
+            </a:r>
+            <a:r>
+              <a:rPr lang="en-US" b="1" dirty="0" err="1"/>
+              <a:t>kunk</a:t>
+            </a:r>
+            <a:r>
+              <a:rPr lang="en-US" b="1" dirty="0"/>
               <a:t> </a:t>
             </a:r>
             <a:r>
-              <a:rPr lang="en-US" dirty="0" err="1"/>
+              <a:rPr lang="en-US" b="1" dirty="0" err="1"/>
               <a:t>akkor</a:t>
             </a:r>
             <a:r>
-              <a:rPr lang="en-US" dirty="0"/>
+              <a:rPr lang="en-US" b="1" dirty="0"/>
+              <a:t> a k</a:t>
+            </a:r>
+            <a:r>
+              <a:rPr lang="hu-HU" b="1" dirty="0"/>
+              <a:t>é</a:t>
+            </a:r>
+            <a:r>
+              <a:rPr lang="en-US" b="1" dirty="0"/>
+              <a:t>k </a:t>
+            </a:r>
+            <a:r>
+              <a:rPr lang="hu-HU" b="1" dirty="0"/>
+              <a:t>s</a:t>
+            </a:r>
+            <a:r>
+              <a:rPr lang="en-US" b="1" dirty="0"/>
+              <a:t>z</a:t>
+            </a:r>
+            <a:r>
+              <a:rPr lang="hu-HU" b="1" dirty="0"/>
+              <a:t>ö</a:t>
+            </a:r>
+            <a:r>
+              <a:rPr lang="en-US" b="1" dirty="0" err="1"/>
+              <a:t>vegre</a:t>
+            </a:r>
+            <a:r>
+              <a:rPr lang="en-US" b="1" dirty="0"/>
+              <a:t> </a:t>
+            </a:r>
+            <a:r>
+              <a:rPr lang="en-US" b="1" dirty="0" err="1"/>
+              <a:t>kattintva</a:t>
+            </a:r>
+            <a:r>
+              <a:rPr lang="en-US" b="1" dirty="0"/>
+              <a:t> </a:t>
+            </a:r>
+            <a:r>
+              <a:rPr lang="en-US" b="1" dirty="0" err="1"/>
+              <a:t>átdob</a:t>
+            </a:r>
+            <a:r>
+              <a:rPr lang="en-US" b="1" dirty="0"/>
               <a:t> a </a:t>
             </a:r>
             <a:r>
-              <a:rPr lang="en-US" dirty="0" err="1"/>
-              <a:t>kek</a:t>
-            </a:r>
-            <a:r>
-              <a:rPr lang="en-US" dirty="0"/>
-              <a:t> </a:t>
-            </a:r>
-            <a:r>
-              <a:rPr lang="en-US" dirty="0" err="1"/>
-              <a:t>Szovegre</a:t>
-            </a:r>
-            <a:r>
-              <a:rPr lang="en-US" dirty="0"/>
-              <a:t> </a:t>
-            </a:r>
-            <a:r>
-              <a:rPr lang="en-US" dirty="0" err="1"/>
-              <a:t>kattintva</a:t>
-            </a:r>
-            <a:r>
-              <a:rPr lang="en-US" dirty="0"/>
-              <a:t> </a:t>
-            </a:r>
-            <a:r>
-              <a:rPr lang="en-US" dirty="0" err="1"/>
-              <a:t>átdob</a:t>
-            </a:r>
-            <a:r>
-              <a:rPr lang="en-US" dirty="0"/>
-              <a:t> a </a:t>
-            </a:r>
-            <a:r>
-              <a:rPr lang="en-US" dirty="0" err="1"/>
+              <a:rPr lang="en-US" b="1" dirty="0" err="1"/>
               <a:t>bejelentkezésre</a:t>
             </a:r>
             <a:r>
-              <a:rPr lang="en-US" dirty="0"/>
+              <a:rPr lang="en-US" b="1" dirty="0"/>
               <a:t>.</a:t>
             </a:r>
           </a:p>
@@ -5303,7 +5401,9 @@
           <a:prstGeom prst="rect">
             <a:avLst/>
           </a:prstGeom>
-          <a:noFill/>
+          <a:solidFill>
+            <a:srgbClr val="53D2FF"/>
+          </a:solidFill>
         </p:spPr>
         <p:txBody>
           <a:bodyPr rot="0" spcFirstLastPara="0" vertOverflow="overflow" horzOverflow="overflow" vert="horz" wrap="square" lIns="91440" tIns="45720" rIns="91440" bIns="45720" numCol="1" spcCol="0" rtlCol="0" fromWordArt="0" anchor="t" anchorCtr="0" forceAA="0" compatLnSpc="1">
@@ -5315,99 +5415,107 @@
           <a:lstStyle/>
           <a:p>
             <a:r>
-              <a:rPr lang="en-US" dirty="0" err="1"/>
+              <a:rPr lang="en-US" b="1" dirty="0" err="1"/>
               <a:t>Ahol</a:t>
             </a:r>
             <a:r>
-              <a:rPr lang="en-US" dirty="0"/>
-              <a:t> ha </a:t>
-            </a:r>
-            <a:r>
-              <a:rPr lang="en-US" dirty="0" err="1"/>
-              <a:t>sikerult</a:t>
-            </a:r>
-            <a:r>
-              <a:rPr lang="en-US" dirty="0"/>
+              <a:rPr lang="en-US" b="1" dirty="0"/>
+              <a:t> ha siker</a:t>
+            </a:r>
+            <a:r>
+              <a:rPr lang="hu-HU" b="1" dirty="0"/>
+              <a:t>ü</a:t>
+            </a:r>
+            <a:r>
+              <a:rPr lang="en-US" b="1" dirty="0" err="1"/>
+              <a:t>lt</a:t>
+            </a:r>
+            <a:r>
+              <a:rPr lang="en-US" b="1" dirty="0"/>
               <a:t> </a:t>
             </a:r>
             <a:r>
-              <a:rPr lang="en-US" dirty="0" err="1"/>
+              <a:rPr lang="en-US" b="1" dirty="0" err="1"/>
               <a:t>belépni</a:t>
             </a:r>
             <a:r>
-              <a:rPr lang="en-US" dirty="0"/>
+              <a:rPr lang="en-US" b="1" dirty="0"/>
               <a:t> </a:t>
             </a:r>
             <a:r>
-              <a:rPr lang="en-US" dirty="0" err="1"/>
+              <a:rPr lang="en-US" b="1" dirty="0" err="1"/>
               <a:t>akkor</a:t>
             </a:r>
             <a:r>
-              <a:rPr lang="en-US" dirty="0"/>
+              <a:rPr lang="en-US" b="1" dirty="0"/>
               <a:t> </a:t>
             </a:r>
             <a:r>
-              <a:rPr lang="en-US" dirty="0" err="1"/>
+              <a:rPr lang="en-US" b="1" dirty="0" err="1"/>
               <a:t>az</a:t>
             </a:r>
             <a:r>
-              <a:rPr lang="en-US" dirty="0"/>
+              <a:rPr lang="en-US" b="1" dirty="0"/>
               <a:t> </a:t>
             </a:r>
             <a:r>
-              <a:rPr lang="en-US" dirty="0" err="1"/>
+              <a:rPr lang="en-US" b="1" dirty="0" err="1"/>
               <a:t>oldal</a:t>
             </a:r>
             <a:r>
-              <a:rPr lang="en-US" dirty="0"/>
+              <a:rPr lang="en-US" b="1" dirty="0"/>
               <a:t> </a:t>
             </a:r>
             <a:r>
-              <a:rPr lang="en-US" dirty="0" err="1"/>
+              <a:rPr lang="en-US" b="1" dirty="0" err="1"/>
               <a:t>feldob</a:t>
             </a:r>
             <a:r>
-              <a:rPr lang="en-US" dirty="0"/>
+              <a:rPr lang="en-US" b="1" dirty="0"/>
               <a:t> </a:t>
             </a:r>
             <a:r>
-              <a:rPr lang="en-US" dirty="0" err="1"/>
+              <a:rPr lang="en-US" b="1" dirty="0" err="1"/>
               <a:t>egy</a:t>
             </a:r>
             <a:r>
-              <a:rPr lang="en-US" dirty="0"/>
+              <a:rPr lang="en-US" b="1" dirty="0"/>
               <a:t> </a:t>
             </a:r>
             <a:r>
-              <a:rPr lang="en-US" dirty="0" err="1"/>
-              <a:t>uzenetet</a:t>
-            </a:r>
-            <a:r>
-              <a:rPr lang="en-US" dirty="0"/>
+              <a:rPr lang="hu-HU" b="1" dirty="0"/>
+              <a:t>ü</a:t>
+            </a:r>
+            <a:r>
+              <a:rPr lang="en-US" b="1" dirty="0" err="1"/>
+              <a:t>zenetet</a:t>
+            </a:r>
+            <a:r>
+              <a:rPr lang="en-US" b="1" dirty="0"/>
               <a:t> </a:t>
             </a:r>
             <a:r>
-              <a:rPr lang="en-US" dirty="0" err="1"/>
+              <a:rPr lang="en-US" b="1" dirty="0" err="1"/>
               <a:t>hogy</a:t>
             </a:r>
             <a:r>
-              <a:rPr lang="en-US" dirty="0"/>
+              <a:rPr lang="en-US" b="1" dirty="0"/>
               <a:t> "</a:t>
             </a:r>
             <a:r>
-              <a:rPr lang="en-US" dirty="0" err="1"/>
+              <a:rPr lang="en-US" b="1" dirty="0" err="1"/>
               <a:t>Sikeres</a:t>
             </a:r>
             <a:r>
-              <a:rPr lang="en-US" dirty="0"/>
+              <a:rPr lang="en-US" b="1" dirty="0"/>
               <a:t> </a:t>
             </a:r>
             <a:r>
-              <a:rPr lang="en-US" dirty="0" err="1"/>
+              <a:rPr lang="en-US" b="1" dirty="0" err="1"/>
               <a:t>bejelentkezés</a:t>
             </a:r>
             <a:r>
-              <a:rPr lang="en-US" dirty="0"/>
+              <a:rPr lang="en-US" b="1" dirty="0"/>
               <a:t>".</a:t>
             </a:r>
           </a:p>
@@ -5447,238 +5555,6 @@
     <p:extLst>
       <p:ext uri="{BB962C8B-B14F-4D97-AF65-F5344CB8AC3E}">
         <p14:creationId xmlns:p14="http://schemas.microsoft.com/office/powerpoint/2010/main" val="3854416135"/>
-      </p:ext>
-    </p:extLst>
-  </p:cSld>
-  <p:clrMapOvr>
-    <a:masterClrMapping/>
-  </p:clrMapOvr>
-</p:sld>
-</file>
-
-<file path=ppt/slides/slide8.xml><?xml version="1.0" encoding="utf-8"?>
-<p:sld xmlns:a="http://schemas.openxmlformats.org/drawingml/2006/main" xmlns:r="http://schemas.openxmlformats.org/officeDocument/2006/relationships" xmlns:p="http://schemas.openxmlformats.org/presentationml/2006/main">
-  <p:cSld>
-    <p:spTree>
-      <p:nvGrpSpPr>
-        <p:cNvPr id="1" name=""/>
-        <p:cNvGrpSpPr/>
-        <p:nvPr/>
-      </p:nvGrpSpPr>
-      <p:grpSpPr>
-        <a:xfrm>
-          <a:off x="0" y="0"/>
-          <a:ext cx="0" cy="0"/>
-          <a:chOff x="0" y="0"/>
-          <a:chExt cx="0" cy="0"/>
-        </a:xfrm>
-      </p:grpSpPr>
-      <p:sp>
-        <p:nvSpPr>
-          <p:cNvPr id="2" name="Cím 1"/>
-          <p:cNvSpPr>
-            <a:spLocks noGrp="1"/>
-          </p:cNvSpPr>
-          <p:nvPr>
-            <p:ph type="title"/>
-          </p:nvPr>
-        </p:nvSpPr>
-        <p:spPr>
-          <a:xfrm>
-            <a:off x="780148" y="318052"/>
-            <a:ext cx="2797939" cy="785191"/>
-          </a:xfrm>
-          <a:solidFill>
-            <a:srgbClr val="0085B4"/>
-          </a:solidFill>
-        </p:spPr>
-        <p:txBody>
-          <a:bodyPr/>
-          <a:lstStyle/>
-          <a:p>
-            <a:r>
-              <a:rPr lang="hu-HU" dirty="0" smtClean="0"/>
-              <a:t>backend</a:t>
-            </a:r>
-            <a:endParaRPr lang="hu-HU" dirty="0"/>
-          </a:p>
-        </p:txBody>
-      </p:sp>
-      <p:sp>
-        <p:nvSpPr>
-          <p:cNvPr id="3" name="Tartalom helye 2"/>
-          <p:cNvSpPr>
-            <a:spLocks noGrp="1"/>
-          </p:cNvSpPr>
-          <p:nvPr>
-            <p:ph idx="1"/>
-          </p:nvPr>
-        </p:nvSpPr>
-        <p:spPr>
-          <a:xfrm>
-            <a:off x="780148" y="1550504"/>
-            <a:ext cx="3497594" cy="4411384"/>
-          </a:xfrm>
-          <a:solidFill>
-            <a:srgbClr val="53D2FF"/>
-          </a:solidFill>
-        </p:spPr>
-        <p:txBody>
-          <a:bodyPr/>
-          <a:lstStyle/>
-          <a:p>
-            <a:pPr marL="0" indent="0">
-              <a:buNone/>
-            </a:pPr>
-            <a:r>
-              <a:rPr lang="hu-HU" b="1" dirty="0" smtClean="0"/>
-              <a:t>A backend részében egy </a:t>
-            </a:r>
-            <a:r>
-              <a:rPr lang="hu-HU" b="1" dirty="0" err="1" smtClean="0"/>
-              <a:t>admin</a:t>
-            </a:r>
-            <a:r>
-              <a:rPr lang="hu-HU" b="1" dirty="0" smtClean="0"/>
-              <a:t> felületet szeretnék csinálni ahol kezelni lehet a termékeket, felhasználókat, vásárlókat, vásárlásokat az adatbázisban.</a:t>
-            </a:r>
-          </a:p>
-          <a:p>
-            <a:pPr marL="0" indent="0">
-              <a:buNone/>
-            </a:pPr>
-            <a:r>
-              <a:rPr lang="hu-HU" b="1" dirty="0" smtClean="0"/>
-              <a:t>Eddig még nagyon kezdetleges.</a:t>
-            </a:r>
-            <a:endParaRPr lang="hu-HU" b="1" dirty="0"/>
-          </a:p>
-        </p:txBody>
-      </p:sp>
-      <p:pic>
-        <p:nvPicPr>
-          <p:cNvPr id="4" name="Kép 3"/>
-          <p:cNvPicPr>
-            <a:picLocks noChangeAspect="1"/>
-          </p:cNvPicPr>
-          <p:nvPr/>
-        </p:nvPicPr>
-        <p:blipFill>
-          <a:blip r:embed="rId2"/>
-          <a:stretch>
-            <a:fillRect/>
-          </a:stretch>
-        </p:blipFill>
-        <p:spPr>
-          <a:xfrm>
-            <a:off x="4277742" y="1371600"/>
-            <a:ext cx="7637676" cy="4590288"/>
-          </a:xfrm>
-          <a:prstGeom prst="rect">
-            <a:avLst/>
-          </a:prstGeom>
-        </p:spPr>
-      </p:pic>
-    </p:spTree>
-    <p:extLst>
-      <p:ext uri="{BB962C8B-B14F-4D97-AF65-F5344CB8AC3E}">
-        <p14:creationId xmlns:p14="http://schemas.microsoft.com/office/powerpoint/2010/main" val="996950151"/>
-      </p:ext>
-    </p:extLst>
-  </p:cSld>
-  <p:clrMapOvr>
-    <a:masterClrMapping/>
-  </p:clrMapOvr>
-</p:sld>
-</file>
-
-<file path=ppt/slides/slide9.xml><?xml version="1.0" encoding="utf-8"?>
-<p:sld xmlns:a="http://schemas.openxmlformats.org/drawingml/2006/main" xmlns:r="http://schemas.openxmlformats.org/officeDocument/2006/relationships" xmlns:p="http://schemas.openxmlformats.org/presentationml/2006/main">
-  <p:cSld>
-    <p:spTree>
-      <p:nvGrpSpPr>
-        <p:cNvPr id="1" name=""/>
-        <p:cNvGrpSpPr/>
-        <p:nvPr/>
-      </p:nvGrpSpPr>
-      <p:grpSpPr>
-        <a:xfrm>
-          <a:off x="0" y="0"/>
-          <a:ext cx="0" cy="0"/>
-          <a:chOff x="0" y="0"/>
-          <a:chExt cx="0" cy="0"/>
-        </a:xfrm>
-      </p:grpSpPr>
-      <p:sp>
-        <p:nvSpPr>
-          <p:cNvPr id="3" name="Tartalom helye 2"/>
-          <p:cNvSpPr>
-            <a:spLocks noGrp="1"/>
-          </p:cNvSpPr>
-          <p:nvPr>
-            <p:ph idx="1"/>
-          </p:nvPr>
-        </p:nvSpPr>
-        <p:spPr>
-          <a:xfrm>
-            <a:off x="785191" y="1023730"/>
-            <a:ext cx="10606709" cy="805070"/>
-          </a:xfrm>
-          <a:solidFill>
-            <a:srgbClr val="53D2FF"/>
-          </a:solidFill>
-        </p:spPr>
-        <p:txBody>
-          <a:bodyPr/>
-          <a:lstStyle/>
-          <a:p>
-            <a:pPr marL="0" indent="0">
-              <a:buNone/>
-            </a:pPr>
-            <a:r>
-              <a:rPr lang="hu-HU" b="1" dirty="0" smtClean="0"/>
-              <a:t>A termékek kezeléséhez egy táblázat van ahol a termékeknek van </a:t>
-            </a:r>
-            <a:r>
-              <a:rPr lang="hu-HU" b="1" dirty="0" err="1" smtClean="0"/>
-              <a:t>id</a:t>
-            </a:r>
-            <a:r>
-              <a:rPr lang="hu-HU" b="1" dirty="0" smtClean="0"/>
-              <a:t>, név, raktáron lévő darabszám, egységár adattagjuk. Ezeket szeretném majd az adatbázisból lekérni.</a:t>
-            </a:r>
-            <a:endParaRPr lang="hu-HU" b="1" dirty="0"/>
-          </a:p>
-        </p:txBody>
-      </p:sp>
-      <p:pic>
-        <p:nvPicPr>
-          <p:cNvPr id="4" name="Kép 3"/>
-          <p:cNvPicPr>
-            <a:picLocks noChangeAspect="1"/>
-          </p:cNvPicPr>
-          <p:nvPr/>
-        </p:nvPicPr>
-        <p:blipFill>
-          <a:blip r:embed="rId2"/>
-          <a:stretch>
-            <a:fillRect/>
-          </a:stretch>
-        </p:blipFill>
-        <p:spPr>
-          <a:xfrm>
-            <a:off x="785190" y="1828800"/>
-            <a:ext cx="9611139" cy="4333654"/>
-          </a:xfrm>
-          <a:prstGeom prst="rect">
-            <a:avLst/>
-          </a:prstGeom>
-        </p:spPr>
-      </p:pic>
-    </p:spTree>
-    <p:extLst>
-      <p:ext uri="{BB962C8B-B14F-4D97-AF65-F5344CB8AC3E}">
-        <p14:creationId xmlns:p14="http://schemas.microsoft.com/office/powerpoint/2010/main" val="2801202615"/>
       </p:ext>
     </p:extLst>
   </p:cSld>
